--- a/resource/리소스 수정.pptx
+++ b/resource/리소스 수정.pptx
@@ -3420,198 +3420,240 @@
           </a:p>
         </p:txBody>
       </p:sp>
-      <p:sp>
-        <p:nvSpPr>
-          <p:cNvPr id="8" name="직사각형 7">
-            <a:extLst>
-              <a:ext uri="{FF2B5EF4-FFF2-40B4-BE49-F238E27FC236}">
-                <a16:creationId xmlns:a16="http://schemas.microsoft.com/office/drawing/2014/main" id="{E36F46E1-7005-4373-833B-7A8755A66200}"/>
-              </a:ext>
-            </a:extLst>
-          </p:cNvPr>
-          <p:cNvSpPr/>
+      <p:grpSp>
+        <p:nvGrpSpPr>
+          <p:cNvPr id="18" name="그룹 17">
+            <a:extLst>
+              <a:ext uri="{FF2B5EF4-FFF2-40B4-BE49-F238E27FC236}">
+                <a16:creationId xmlns:a16="http://schemas.microsoft.com/office/drawing/2014/main" id="{8110ABBE-FEB1-43B6-9ADD-1DE808E28310}"/>
+              </a:ext>
+            </a:extLst>
+          </p:cNvPr>
+          <p:cNvGrpSpPr/>
           <p:nvPr/>
-        </p:nvSpPr>
-        <p:spPr>
-          <a:xfrm>
-            <a:off x="7717847" y="2560320"/>
-            <a:ext cx="165463" cy="505097"/>
-          </a:xfrm>
-          <a:prstGeom prst="rect">
-            <a:avLst/>
-          </a:prstGeom>
-          <a:solidFill>
-            <a:srgbClr val="463D33"/>
-          </a:solidFill>
-          <a:ln>
-            <a:noFill/>
-          </a:ln>
-        </p:spPr>
-        <p:style>
-          <a:lnRef idx="2">
-            <a:schemeClr val="accent1">
-              <a:shade val="50000"/>
-            </a:schemeClr>
-          </a:lnRef>
-          <a:fillRef idx="1">
-            <a:schemeClr val="accent1"/>
-          </a:fillRef>
-          <a:effectRef idx="0">
-            <a:schemeClr val="accent1"/>
-          </a:effectRef>
-          <a:fontRef idx="minor">
-            <a:schemeClr val="lt1"/>
-          </a:fontRef>
-        </p:style>
-        <p:txBody>
-          <a:bodyPr rtlCol="0" anchor="ctr"/>
-          <a:lstStyle/>
-          <a:p>
-            <a:pPr algn="ctr"/>
-            <a:endParaRPr lang="ko-KR" altLang="en-US"/>
-          </a:p>
-        </p:txBody>
-      </p:sp>
-      <p:pic>
-        <p:nvPicPr>
-          <p:cNvPr id="9" name="그림 8">
-            <a:extLst>
-              <a:ext uri="{FF2B5EF4-FFF2-40B4-BE49-F238E27FC236}">
-                <a16:creationId xmlns:a16="http://schemas.microsoft.com/office/drawing/2014/main" id="{ABBA19C4-9F4C-4EB4-A9DA-92C30171EA29}"/>
-              </a:ext>
-            </a:extLst>
-          </p:cNvPr>
-          <p:cNvPicPr>
-            <a:picLocks noChangeAspect="1"/>
-          </p:cNvPicPr>
-          <p:nvPr/>
-        </p:nvPicPr>
-        <p:blipFill>
-          <a:blip r:embed="rId3">
-            <a:extLst>
-              <a:ext uri="{28A0092B-C50C-407E-A947-70E740481C1C}">
-                <a14:useLocalDpi xmlns:a14="http://schemas.microsoft.com/office/drawing/2010/main" val="0"/>
-              </a:ext>
-            </a:extLst>
-          </a:blip>
-          <a:stretch>
-            <a:fillRect/>
-          </a:stretch>
-        </p:blipFill>
-        <p:spPr>
+        </p:nvGrpSpPr>
+        <p:grpSpPr>
           <a:xfrm>
             <a:off x="7284472" y="619890"/>
-            <a:ext cx="1032214" cy="2064428"/>
+            <a:ext cx="1032214" cy="2445527"/>
+            <a:chOff x="7284472" y="619890"/>
+            <a:chExt cx="1032214" cy="2445527"/>
           </a:xfrm>
-          <a:prstGeom prst="rect">
-            <a:avLst/>
-          </a:prstGeom>
-        </p:spPr>
-      </p:pic>
-      <p:sp>
-        <p:nvSpPr>
-          <p:cNvPr id="11" name="직사각형 10">
-            <a:extLst>
-              <a:ext uri="{FF2B5EF4-FFF2-40B4-BE49-F238E27FC236}">
-                <a16:creationId xmlns:a16="http://schemas.microsoft.com/office/drawing/2014/main" id="{2A88645B-CCB2-43E0-A291-8E70248CADF6}"/>
-              </a:ext>
-            </a:extLst>
-          </p:cNvPr>
-          <p:cNvSpPr/>
+        </p:grpSpPr>
+        <p:sp>
+          <p:nvSpPr>
+            <p:cNvPr id="8" name="직사각형 7">
+              <a:extLst>
+                <a:ext uri="{FF2B5EF4-FFF2-40B4-BE49-F238E27FC236}">
+                  <a16:creationId xmlns:a16="http://schemas.microsoft.com/office/drawing/2014/main" id="{E36F46E1-7005-4373-833B-7A8755A66200}"/>
+                </a:ext>
+              </a:extLst>
+            </p:cNvPr>
+            <p:cNvSpPr/>
+            <p:nvPr/>
+          </p:nvSpPr>
+          <p:spPr>
+            <a:xfrm>
+              <a:off x="7717847" y="2560320"/>
+              <a:ext cx="165463" cy="505097"/>
+            </a:xfrm>
+            <a:prstGeom prst="rect">
+              <a:avLst/>
+            </a:prstGeom>
+            <a:solidFill>
+              <a:srgbClr val="463D33"/>
+            </a:solidFill>
+            <a:ln>
+              <a:noFill/>
+            </a:ln>
+          </p:spPr>
+          <p:style>
+            <a:lnRef idx="2">
+              <a:schemeClr val="accent1">
+                <a:shade val="50000"/>
+              </a:schemeClr>
+            </a:lnRef>
+            <a:fillRef idx="1">
+              <a:schemeClr val="accent1"/>
+            </a:fillRef>
+            <a:effectRef idx="0">
+              <a:schemeClr val="accent1"/>
+            </a:effectRef>
+            <a:fontRef idx="minor">
+              <a:schemeClr val="lt1"/>
+            </a:fontRef>
+          </p:style>
+          <p:txBody>
+            <a:bodyPr rtlCol="0" anchor="ctr"/>
+            <a:lstStyle/>
+            <a:p>
+              <a:pPr algn="ctr"/>
+              <a:endParaRPr lang="ko-KR" altLang="en-US"/>
+            </a:p>
+          </p:txBody>
+        </p:sp>
+        <p:pic>
+          <p:nvPicPr>
+            <p:cNvPr id="9" name="그림 8">
+              <a:extLst>
+                <a:ext uri="{FF2B5EF4-FFF2-40B4-BE49-F238E27FC236}">
+                  <a16:creationId xmlns:a16="http://schemas.microsoft.com/office/drawing/2014/main" id="{ABBA19C4-9F4C-4EB4-A9DA-92C30171EA29}"/>
+                </a:ext>
+              </a:extLst>
+            </p:cNvPr>
+            <p:cNvPicPr>
+              <a:picLocks noChangeAspect="1"/>
+            </p:cNvPicPr>
+            <p:nvPr/>
+          </p:nvPicPr>
+          <p:blipFill>
+            <a:blip r:embed="rId3">
+              <a:extLst>
+                <a:ext uri="{28A0092B-C50C-407E-A947-70E740481C1C}">
+                  <a14:useLocalDpi xmlns:a14="http://schemas.microsoft.com/office/drawing/2010/main" val="0"/>
+                </a:ext>
+              </a:extLst>
+            </a:blip>
+            <a:stretch>
+              <a:fillRect/>
+            </a:stretch>
+          </p:blipFill>
+          <p:spPr>
+            <a:xfrm>
+              <a:off x="7284472" y="619890"/>
+              <a:ext cx="1032214" cy="2064428"/>
+            </a:xfrm>
+            <a:prstGeom prst="rect">
+              <a:avLst/>
+            </a:prstGeom>
+          </p:spPr>
+        </p:pic>
+      </p:grpSp>
+      <p:grpSp>
+        <p:nvGrpSpPr>
+          <p:cNvPr id="19" name="그룹 18">
+            <a:extLst>
+              <a:ext uri="{FF2B5EF4-FFF2-40B4-BE49-F238E27FC236}">
+                <a16:creationId xmlns:a16="http://schemas.microsoft.com/office/drawing/2014/main" id="{97FAECCF-2F66-4DE2-B57C-8267C2CED7DE}"/>
+              </a:ext>
+            </a:extLst>
+          </p:cNvPr>
+          <p:cNvGrpSpPr/>
           <p:nvPr/>
-        </p:nvSpPr>
-        <p:spPr>
-          <a:xfrm>
-            <a:off x="9253106" y="2560320"/>
-            <a:ext cx="165463" cy="505097"/>
-          </a:xfrm>
-          <a:prstGeom prst="rect">
-            <a:avLst/>
-          </a:prstGeom>
-          <a:solidFill>
-            <a:srgbClr val="463D33"/>
-          </a:solidFill>
-          <a:ln>
-            <a:noFill/>
-          </a:ln>
-        </p:spPr>
-        <p:style>
-          <a:lnRef idx="2">
-            <a:schemeClr val="accent1">
-              <a:shade val="50000"/>
-            </a:schemeClr>
-          </a:lnRef>
-          <a:fillRef idx="1">
-            <a:schemeClr val="accent1"/>
-          </a:fillRef>
-          <a:effectRef idx="0">
-            <a:schemeClr val="accent1"/>
-          </a:effectRef>
-          <a:fontRef idx="minor">
-            <a:schemeClr val="lt1"/>
-          </a:fontRef>
-        </p:style>
-        <p:txBody>
-          <a:bodyPr rtlCol="0" anchor="ctr"/>
-          <a:lstStyle/>
-          <a:p>
-            <a:pPr algn="ctr"/>
-            <a:endParaRPr lang="ko-KR" altLang="en-US"/>
-          </a:p>
-        </p:txBody>
-      </p:sp>
-      <p:sp>
-        <p:nvSpPr>
-          <p:cNvPr id="12" name="타원 11">
-            <a:extLst>
-              <a:ext uri="{FF2B5EF4-FFF2-40B4-BE49-F238E27FC236}">
-                <a16:creationId xmlns:a16="http://schemas.microsoft.com/office/drawing/2014/main" id="{9E13F5FD-BC3B-49D8-8260-80BE936DCEC5}"/>
-              </a:ext>
-            </a:extLst>
-          </p:cNvPr>
-          <p:cNvSpPr/>
-          <p:nvPr/>
-        </p:nvSpPr>
-        <p:spPr>
+        </p:nvGrpSpPr>
+        <p:grpSpPr>
           <a:xfrm>
             <a:off x="8750061" y="619890"/>
-            <a:ext cx="1171552" cy="2064428"/>
+            <a:ext cx="1171552" cy="2445527"/>
+            <a:chOff x="8750061" y="619890"/>
+            <a:chExt cx="1171552" cy="2445527"/>
           </a:xfrm>
-          <a:prstGeom prst="ellipse">
-            <a:avLst/>
-          </a:prstGeom>
-          <a:solidFill>
-            <a:srgbClr val="234E60"/>
-          </a:solidFill>
-          <a:ln>
-            <a:noFill/>
-          </a:ln>
-        </p:spPr>
-        <p:style>
-          <a:lnRef idx="2">
-            <a:schemeClr val="accent1">
-              <a:shade val="50000"/>
-            </a:schemeClr>
-          </a:lnRef>
-          <a:fillRef idx="1">
-            <a:schemeClr val="accent1"/>
-          </a:fillRef>
-          <a:effectRef idx="0">
-            <a:schemeClr val="accent1"/>
-          </a:effectRef>
-          <a:fontRef idx="minor">
-            <a:schemeClr val="lt1"/>
-          </a:fontRef>
-        </p:style>
-        <p:txBody>
-          <a:bodyPr rtlCol="0" anchor="ctr"/>
-          <a:lstStyle/>
-          <a:p>
-            <a:pPr algn="ctr"/>
-            <a:endParaRPr lang="ko-KR" altLang="en-US"/>
-          </a:p>
-        </p:txBody>
-      </p:sp>
+        </p:grpSpPr>
+        <p:sp>
+          <p:nvSpPr>
+            <p:cNvPr id="11" name="직사각형 10">
+              <a:extLst>
+                <a:ext uri="{FF2B5EF4-FFF2-40B4-BE49-F238E27FC236}">
+                  <a16:creationId xmlns:a16="http://schemas.microsoft.com/office/drawing/2014/main" id="{2A88645B-CCB2-43E0-A291-8E70248CADF6}"/>
+                </a:ext>
+              </a:extLst>
+            </p:cNvPr>
+            <p:cNvSpPr/>
+            <p:nvPr/>
+          </p:nvSpPr>
+          <p:spPr>
+            <a:xfrm>
+              <a:off x="9253106" y="2560320"/>
+              <a:ext cx="165463" cy="505097"/>
+            </a:xfrm>
+            <a:prstGeom prst="rect">
+              <a:avLst/>
+            </a:prstGeom>
+            <a:solidFill>
+              <a:srgbClr val="463D33"/>
+            </a:solidFill>
+            <a:ln>
+              <a:noFill/>
+            </a:ln>
+          </p:spPr>
+          <p:style>
+            <a:lnRef idx="2">
+              <a:schemeClr val="accent1">
+                <a:shade val="50000"/>
+              </a:schemeClr>
+            </a:lnRef>
+            <a:fillRef idx="1">
+              <a:schemeClr val="accent1"/>
+            </a:fillRef>
+            <a:effectRef idx="0">
+              <a:schemeClr val="accent1"/>
+            </a:effectRef>
+            <a:fontRef idx="minor">
+              <a:schemeClr val="lt1"/>
+            </a:fontRef>
+          </p:style>
+          <p:txBody>
+            <a:bodyPr rtlCol="0" anchor="ctr"/>
+            <a:lstStyle/>
+            <a:p>
+              <a:pPr algn="ctr"/>
+              <a:endParaRPr lang="ko-KR" altLang="en-US"/>
+            </a:p>
+          </p:txBody>
+        </p:sp>
+        <p:sp>
+          <p:nvSpPr>
+            <p:cNvPr id="12" name="타원 11">
+              <a:extLst>
+                <a:ext uri="{FF2B5EF4-FFF2-40B4-BE49-F238E27FC236}">
+                  <a16:creationId xmlns:a16="http://schemas.microsoft.com/office/drawing/2014/main" id="{9E13F5FD-BC3B-49D8-8260-80BE936DCEC5}"/>
+                </a:ext>
+              </a:extLst>
+            </p:cNvPr>
+            <p:cNvSpPr/>
+            <p:nvPr/>
+          </p:nvSpPr>
+          <p:spPr>
+            <a:xfrm>
+              <a:off x="8750061" y="619890"/>
+              <a:ext cx="1171552" cy="2064428"/>
+            </a:xfrm>
+            <a:prstGeom prst="ellipse">
+              <a:avLst/>
+            </a:prstGeom>
+            <a:solidFill>
+              <a:srgbClr val="234E60"/>
+            </a:solidFill>
+            <a:ln>
+              <a:noFill/>
+            </a:ln>
+          </p:spPr>
+          <p:style>
+            <a:lnRef idx="2">
+              <a:schemeClr val="accent1">
+                <a:shade val="50000"/>
+              </a:schemeClr>
+            </a:lnRef>
+            <a:fillRef idx="1">
+              <a:schemeClr val="accent1"/>
+            </a:fillRef>
+            <a:effectRef idx="0">
+              <a:schemeClr val="accent1"/>
+            </a:effectRef>
+            <a:fontRef idx="minor">
+              <a:schemeClr val="lt1"/>
+            </a:fontRef>
+          </p:style>
+          <p:txBody>
+            <a:bodyPr rtlCol="0" anchor="ctr"/>
+            <a:lstStyle/>
+            <a:p>
+              <a:pPr algn="ctr"/>
+              <a:endParaRPr lang="ko-KR" altLang="en-US"/>
+            </a:p>
+          </p:txBody>
+        </p:sp>
+      </p:grpSp>
       <p:sp>
         <p:nvSpPr>
           <p:cNvPr id="13" name="이등변 삼각형 12">
@@ -3664,110 +3706,131 @@
           </a:p>
         </p:txBody>
       </p:sp>
-      <p:sp>
-        <p:nvSpPr>
-          <p:cNvPr id="14" name="직사각형 13">
-            <a:extLst>
-              <a:ext uri="{FF2B5EF4-FFF2-40B4-BE49-F238E27FC236}">
-                <a16:creationId xmlns:a16="http://schemas.microsoft.com/office/drawing/2014/main" id="{08BD84CE-0034-4352-8C39-038732D0B00C}"/>
-              </a:ext>
-            </a:extLst>
-          </p:cNvPr>
-          <p:cNvSpPr/>
+      <p:grpSp>
+        <p:nvGrpSpPr>
+          <p:cNvPr id="20" name="그룹 19">
+            <a:extLst>
+              <a:ext uri="{FF2B5EF4-FFF2-40B4-BE49-F238E27FC236}">
+                <a16:creationId xmlns:a16="http://schemas.microsoft.com/office/drawing/2014/main" id="{EC910654-9FEF-4CBA-88E5-BCF52676D29B}"/>
+              </a:ext>
+            </a:extLst>
+          </p:cNvPr>
+          <p:cNvGrpSpPr/>
           <p:nvPr/>
-        </p:nvSpPr>
-        <p:spPr>
-          <a:xfrm>
-            <a:off x="10858033" y="2499360"/>
-            <a:ext cx="165463" cy="505097"/>
-          </a:xfrm>
-          <a:prstGeom prst="rect">
-            <a:avLst/>
-          </a:prstGeom>
-          <a:solidFill>
-            <a:srgbClr val="463D33"/>
-          </a:solidFill>
-          <a:ln>
-            <a:noFill/>
-          </a:ln>
-        </p:spPr>
-        <p:style>
-          <a:lnRef idx="2">
-            <a:schemeClr val="accent1">
-              <a:shade val="50000"/>
-            </a:schemeClr>
-          </a:lnRef>
-          <a:fillRef idx="1">
-            <a:schemeClr val="accent1"/>
-          </a:fillRef>
-          <a:effectRef idx="0">
-            <a:schemeClr val="accent1"/>
-          </a:effectRef>
-          <a:fontRef idx="minor">
-            <a:schemeClr val="lt1"/>
-          </a:fontRef>
-        </p:style>
-        <p:txBody>
-          <a:bodyPr rtlCol="0" anchor="ctr"/>
-          <a:lstStyle/>
-          <a:p>
-            <a:pPr algn="ctr"/>
-            <a:endParaRPr lang="ko-KR" altLang="en-US"/>
-          </a:p>
-        </p:txBody>
-      </p:sp>
-      <p:sp>
-        <p:nvSpPr>
-          <p:cNvPr id="15" name="이등변 삼각형 14">
-            <a:extLst>
-              <a:ext uri="{FF2B5EF4-FFF2-40B4-BE49-F238E27FC236}">
-                <a16:creationId xmlns:a16="http://schemas.microsoft.com/office/drawing/2014/main" id="{D416301B-A684-47A9-B00C-A270729C37F6}"/>
-              </a:ext>
-            </a:extLst>
-          </p:cNvPr>
-          <p:cNvSpPr/>
-          <p:nvPr/>
-        </p:nvSpPr>
-        <p:spPr>
+        </p:nvGrpSpPr>
+        <p:grpSpPr>
           <a:xfrm>
             <a:off x="10354988" y="495892"/>
-            <a:ext cx="1171552" cy="2064428"/>
+            <a:ext cx="1171552" cy="2508565"/>
+            <a:chOff x="10354988" y="495892"/>
+            <a:chExt cx="1171552" cy="2508565"/>
           </a:xfrm>
-          <a:prstGeom prst="triangle">
-            <a:avLst/>
-          </a:prstGeom>
-          <a:solidFill>
-            <a:srgbClr val="234E5F"/>
-          </a:solidFill>
-          <a:ln>
-            <a:noFill/>
-          </a:ln>
-        </p:spPr>
-        <p:style>
-          <a:lnRef idx="2">
-            <a:schemeClr val="accent1">
-              <a:shade val="50000"/>
-            </a:schemeClr>
-          </a:lnRef>
-          <a:fillRef idx="1">
-            <a:schemeClr val="accent1"/>
-          </a:fillRef>
-          <a:effectRef idx="0">
-            <a:schemeClr val="accent1"/>
-          </a:effectRef>
-          <a:fontRef idx="minor">
-            <a:schemeClr val="lt1"/>
-          </a:fontRef>
-        </p:style>
-        <p:txBody>
-          <a:bodyPr rtlCol="0" anchor="ctr"/>
-          <a:lstStyle/>
-          <a:p>
-            <a:pPr algn="ctr"/>
-            <a:endParaRPr lang="ko-KR" altLang="en-US"/>
-          </a:p>
-        </p:txBody>
-      </p:sp>
+        </p:grpSpPr>
+        <p:sp>
+          <p:nvSpPr>
+            <p:cNvPr id="14" name="직사각형 13">
+              <a:extLst>
+                <a:ext uri="{FF2B5EF4-FFF2-40B4-BE49-F238E27FC236}">
+                  <a16:creationId xmlns:a16="http://schemas.microsoft.com/office/drawing/2014/main" id="{08BD84CE-0034-4352-8C39-038732D0B00C}"/>
+                </a:ext>
+              </a:extLst>
+            </p:cNvPr>
+            <p:cNvSpPr/>
+            <p:nvPr/>
+          </p:nvSpPr>
+          <p:spPr>
+            <a:xfrm>
+              <a:off x="10858033" y="2499360"/>
+              <a:ext cx="165463" cy="505097"/>
+            </a:xfrm>
+            <a:prstGeom prst="rect">
+              <a:avLst/>
+            </a:prstGeom>
+            <a:solidFill>
+              <a:srgbClr val="463D33"/>
+            </a:solidFill>
+            <a:ln>
+              <a:noFill/>
+            </a:ln>
+          </p:spPr>
+          <p:style>
+            <a:lnRef idx="2">
+              <a:schemeClr val="accent1">
+                <a:shade val="50000"/>
+              </a:schemeClr>
+            </a:lnRef>
+            <a:fillRef idx="1">
+              <a:schemeClr val="accent1"/>
+            </a:fillRef>
+            <a:effectRef idx="0">
+              <a:schemeClr val="accent1"/>
+            </a:effectRef>
+            <a:fontRef idx="minor">
+              <a:schemeClr val="lt1"/>
+            </a:fontRef>
+          </p:style>
+          <p:txBody>
+            <a:bodyPr rtlCol="0" anchor="ctr"/>
+            <a:lstStyle/>
+            <a:p>
+              <a:pPr algn="ctr"/>
+              <a:endParaRPr lang="ko-KR" altLang="en-US"/>
+            </a:p>
+          </p:txBody>
+        </p:sp>
+        <p:sp>
+          <p:nvSpPr>
+            <p:cNvPr id="15" name="이등변 삼각형 14">
+              <a:extLst>
+                <a:ext uri="{FF2B5EF4-FFF2-40B4-BE49-F238E27FC236}">
+                  <a16:creationId xmlns:a16="http://schemas.microsoft.com/office/drawing/2014/main" id="{D416301B-A684-47A9-B00C-A270729C37F6}"/>
+                </a:ext>
+              </a:extLst>
+            </p:cNvPr>
+            <p:cNvSpPr/>
+            <p:nvPr/>
+          </p:nvSpPr>
+          <p:spPr>
+            <a:xfrm>
+              <a:off x="10354988" y="495892"/>
+              <a:ext cx="1171552" cy="2064428"/>
+            </a:xfrm>
+            <a:prstGeom prst="triangle">
+              <a:avLst/>
+            </a:prstGeom>
+            <a:solidFill>
+              <a:srgbClr val="234E5F"/>
+            </a:solidFill>
+            <a:ln>
+              <a:noFill/>
+            </a:ln>
+          </p:spPr>
+          <p:style>
+            <a:lnRef idx="2">
+              <a:schemeClr val="accent1">
+                <a:shade val="50000"/>
+              </a:schemeClr>
+            </a:lnRef>
+            <a:fillRef idx="1">
+              <a:schemeClr val="accent1"/>
+            </a:fillRef>
+            <a:effectRef idx="0">
+              <a:schemeClr val="accent1"/>
+            </a:effectRef>
+            <a:fontRef idx="minor">
+              <a:schemeClr val="lt1"/>
+            </a:fontRef>
+          </p:style>
+          <p:txBody>
+            <a:bodyPr rtlCol="0" anchor="ctr"/>
+            <a:lstStyle/>
+            <a:p>
+              <a:pPr algn="ctr"/>
+              <a:endParaRPr lang="ko-KR" altLang="en-US"/>
+            </a:p>
+          </p:txBody>
+        </p:sp>
+      </p:grpSp>
     </p:spTree>
     <p:extLst>
       <p:ext uri="{BB962C8B-B14F-4D97-AF65-F5344CB8AC3E}">
@@ -3834,456 +3897,2529 @@
           </a:prstGeom>
         </p:spPr>
       </p:pic>
-      <p:sp>
-        <p:nvSpPr>
-          <p:cNvPr id="2" name="직사각형 1">
-            <a:extLst>
-              <a:ext uri="{FF2B5EF4-FFF2-40B4-BE49-F238E27FC236}">
-                <a16:creationId xmlns:a16="http://schemas.microsoft.com/office/drawing/2014/main" id="{ADED393F-81F8-4F4A-9916-B7A1F35E1939}"/>
-              </a:ext>
-            </a:extLst>
-          </p:cNvPr>
-          <p:cNvSpPr/>
+      <p:grpSp>
+        <p:nvGrpSpPr>
+          <p:cNvPr id="69" name="그룹 68">
+            <a:extLst>
+              <a:ext uri="{FF2B5EF4-FFF2-40B4-BE49-F238E27FC236}">
+                <a16:creationId xmlns:a16="http://schemas.microsoft.com/office/drawing/2014/main" id="{5BAFB884-A0FA-4B45-AB96-EB8AB1A9BAFE}"/>
+              </a:ext>
+            </a:extLst>
+          </p:cNvPr>
+          <p:cNvGrpSpPr/>
           <p:nvPr/>
-        </p:nvSpPr>
-        <p:spPr>
+        </p:nvGrpSpPr>
+        <p:grpSpPr>
           <a:xfrm>
-            <a:off x="4101737" y="4598126"/>
-            <a:ext cx="618309" cy="2259874"/>
+            <a:off x="3029233" y="-2030614"/>
+            <a:ext cx="2782599" cy="11298420"/>
+            <a:chOff x="3029233" y="-2030614"/>
+            <a:chExt cx="2782599" cy="11298420"/>
           </a:xfrm>
-          <a:prstGeom prst="rect">
-            <a:avLst/>
-          </a:prstGeom>
-          <a:solidFill>
-            <a:srgbClr val="463D33"/>
-          </a:solidFill>
-          <a:ln>
-            <a:noFill/>
-          </a:ln>
-        </p:spPr>
-        <p:style>
-          <a:lnRef idx="2">
-            <a:schemeClr val="accent1">
-              <a:shade val="50000"/>
-            </a:schemeClr>
-          </a:lnRef>
-          <a:fillRef idx="1">
-            <a:schemeClr val="accent1"/>
-          </a:fillRef>
-          <a:effectRef idx="0">
-            <a:schemeClr val="accent1"/>
-          </a:effectRef>
-          <a:fontRef idx="minor">
-            <a:schemeClr val="lt1"/>
-          </a:fontRef>
-        </p:style>
-        <p:txBody>
-          <a:bodyPr rot="0" spcFirstLastPara="0" vertOverflow="overflow" horzOverflow="overflow" vert="horz" wrap="square" lIns="91440" tIns="45720" rIns="91440" bIns="45720" numCol="1" spcCol="0" rtlCol="0" fromWordArt="0" anchor="ctr" anchorCtr="0" forceAA="0" compatLnSpc="1">
-            <a:prstTxWarp prst="textNoShape">
+        </p:grpSpPr>
+        <p:sp>
+          <p:nvSpPr>
+            <p:cNvPr id="49" name="이등변 삼각형 48">
+              <a:extLst>
+                <a:ext uri="{FF2B5EF4-FFF2-40B4-BE49-F238E27FC236}">
+                  <a16:creationId xmlns:a16="http://schemas.microsoft.com/office/drawing/2014/main" id="{C17C94C4-D2DA-463B-B6C7-2487A7335132}"/>
+                </a:ext>
+              </a:extLst>
+            </p:cNvPr>
+            <p:cNvSpPr/>
+            <p:nvPr/>
+          </p:nvSpPr>
+          <p:spPr>
+            <a:xfrm>
+              <a:off x="4072380" y="-44040"/>
+              <a:ext cx="1343521" cy="581360"/>
+            </a:xfrm>
+            <a:prstGeom prst="triangle">
               <a:avLst/>
-            </a:prstTxWarp>
-            <a:noAutofit/>
-          </a:bodyPr>
-          <a:lstStyle/>
-          <a:p>
-            <a:pPr algn="ctr"/>
-            <a:endParaRPr lang="ko-KR" altLang="en-US"/>
-          </a:p>
-        </p:txBody>
-      </p:sp>
-      <p:pic>
-        <p:nvPicPr>
-          <p:cNvPr id="4" name="그림 3" descr="톱, 나이프이(가) 표시된 사진&#10;&#10;자동 생성된 설명">
-            <a:extLst>
-              <a:ext uri="{FF2B5EF4-FFF2-40B4-BE49-F238E27FC236}">
-                <a16:creationId xmlns:a16="http://schemas.microsoft.com/office/drawing/2014/main" id="{FEE8B924-CC9A-46E8-A5F4-5250C0B66605}"/>
-              </a:ext>
-            </a:extLst>
-          </p:cNvPr>
-          <p:cNvPicPr>
-            <a:picLocks noChangeAspect="1"/>
-          </p:cNvPicPr>
-          <p:nvPr/>
-        </p:nvPicPr>
-        <p:blipFill>
-          <a:blip r:embed="rId3">
-            <a:extLst>
-              <a:ext uri="{28A0092B-C50C-407E-A947-70E740481C1C}">
-                <a14:useLocalDpi xmlns:a14="http://schemas.microsoft.com/office/drawing/2010/main" val="0"/>
-              </a:ext>
-            </a:extLst>
-          </a:blip>
-          <a:stretch>
-            <a:fillRect/>
-          </a:stretch>
-        </p:blipFill>
-        <p:spPr>
-          <a:xfrm>
-            <a:off x="6331131" y="4423571"/>
-            <a:ext cx="775063" cy="533650"/>
-          </a:xfrm>
-          <a:prstGeom prst="rect">
-            <a:avLst/>
-          </a:prstGeom>
-        </p:spPr>
-      </p:pic>
-      <p:pic>
-        <p:nvPicPr>
-          <p:cNvPr id="19" name="그림 18" descr="톱, 나이프이(가) 표시된 사진&#10;&#10;자동 생성된 설명">
-            <a:extLst>
-              <a:ext uri="{FF2B5EF4-FFF2-40B4-BE49-F238E27FC236}">
-                <a16:creationId xmlns:a16="http://schemas.microsoft.com/office/drawing/2014/main" id="{9992DDDA-9040-4F66-871F-58B66CA7A3FC}"/>
-              </a:ext>
-            </a:extLst>
-          </p:cNvPr>
-          <p:cNvPicPr>
-            <a:picLocks noChangeAspect="1"/>
-          </p:cNvPicPr>
-          <p:nvPr/>
-        </p:nvPicPr>
-        <p:blipFill>
-          <a:blip r:embed="rId3">
-            <a:extLst>
-              <a:ext uri="{28A0092B-C50C-407E-A947-70E740481C1C}">
-                <a14:useLocalDpi xmlns:a14="http://schemas.microsoft.com/office/drawing/2010/main" val="0"/>
-              </a:ext>
-            </a:extLst>
-          </a:blip>
-          <a:stretch>
-            <a:fillRect/>
-          </a:stretch>
-        </p:blipFill>
-        <p:spPr>
-          <a:xfrm flipH="1">
-            <a:off x="3222171" y="4821881"/>
-            <a:ext cx="879566" cy="605603"/>
-          </a:xfrm>
-          <a:prstGeom prst="rect">
-            <a:avLst/>
-          </a:prstGeom>
-        </p:spPr>
-      </p:pic>
-      <p:pic>
-        <p:nvPicPr>
-          <p:cNvPr id="20" name="그림 19" descr="톱, 나이프이(가) 표시된 사진&#10;&#10;자동 생성된 설명">
-            <a:extLst>
-              <a:ext uri="{FF2B5EF4-FFF2-40B4-BE49-F238E27FC236}">
-                <a16:creationId xmlns:a16="http://schemas.microsoft.com/office/drawing/2014/main" id="{265560D1-657D-4DDC-9289-265D462D5CC4}"/>
-              </a:ext>
-            </a:extLst>
-          </p:cNvPr>
-          <p:cNvPicPr>
-            <a:picLocks noChangeAspect="1"/>
-          </p:cNvPicPr>
-          <p:nvPr/>
-        </p:nvPicPr>
-        <p:blipFill>
-          <a:blip r:embed="rId3">
-            <a:extLst>
-              <a:ext uri="{28A0092B-C50C-407E-A947-70E740481C1C}">
-                <a14:useLocalDpi xmlns:a14="http://schemas.microsoft.com/office/drawing/2010/main" val="0"/>
-              </a:ext>
-            </a:extLst>
-          </a:blip>
-          <a:stretch>
-            <a:fillRect/>
-          </a:stretch>
-        </p:blipFill>
-        <p:spPr>
-          <a:xfrm flipH="1">
-            <a:off x="8185091" y="3356414"/>
-            <a:ext cx="879566" cy="605603"/>
-          </a:xfrm>
-          <a:prstGeom prst="rect">
-            <a:avLst/>
-          </a:prstGeom>
-        </p:spPr>
-      </p:pic>
-      <p:sp>
-        <p:nvSpPr>
-          <p:cNvPr id="5" name="이등변 삼각형 4">
-            <a:extLst>
-              <a:ext uri="{FF2B5EF4-FFF2-40B4-BE49-F238E27FC236}">
-                <a16:creationId xmlns:a16="http://schemas.microsoft.com/office/drawing/2014/main" id="{C492E108-2FFD-45B5-B5C9-9B6828632547}"/>
-              </a:ext>
-            </a:extLst>
-          </p:cNvPr>
-          <p:cNvSpPr/>
-          <p:nvPr/>
-        </p:nvSpPr>
-        <p:spPr>
-          <a:xfrm>
-            <a:off x="3348445" y="2840816"/>
-            <a:ext cx="1062446" cy="459734"/>
-          </a:xfrm>
-          <a:prstGeom prst="triangle">
-            <a:avLst/>
-          </a:prstGeom>
-          <a:solidFill>
-            <a:srgbClr val="234E60"/>
-          </a:solidFill>
-          <a:ln>
-            <a:noFill/>
-          </a:ln>
-        </p:spPr>
-        <p:style>
-          <a:lnRef idx="2">
-            <a:schemeClr val="accent1">
-              <a:shade val="50000"/>
-            </a:schemeClr>
-          </a:lnRef>
-          <a:fillRef idx="1">
-            <a:schemeClr val="accent1"/>
-          </a:fillRef>
-          <a:effectRef idx="0">
-            <a:schemeClr val="accent1"/>
-          </a:effectRef>
-          <a:fontRef idx="minor">
-            <a:schemeClr val="lt1"/>
-          </a:fontRef>
-        </p:style>
-        <p:txBody>
-          <a:bodyPr rot="0" spcFirstLastPara="0" vertOverflow="overflow" horzOverflow="overflow" vert="horz" wrap="square" lIns="91440" tIns="45720" rIns="91440" bIns="45720" numCol="1" spcCol="0" rtlCol="0" fromWordArt="0" anchor="ctr" anchorCtr="0" forceAA="0" compatLnSpc="1">
-            <a:prstTxWarp prst="textNoShape">
+            </a:prstGeom>
+            <a:solidFill>
+              <a:srgbClr val="234E60"/>
+            </a:solidFill>
+            <a:ln>
+              <a:noFill/>
+            </a:ln>
+          </p:spPr>
+          <p:style>
+            <a:lnRef idx="2">
+              <a:schemeClr val="accent1">
+                <a:shade val="50000"/>
+              </a:schemeClr>
+            </a:lnRef>
+            <a:fillRef idx="1">
+              <a:schemeClr val="accent1"/>
+            </a:fillRef>
+            <a:effectRef idx="0">
+              <a:schemeClr val="accent1"/>
+            </a:effectRef>
+            <a:fontRef idx="minor">
+              <a:schemeClr val="lt1"/>
+            </a:fontRef>
+          </p:style>
+          <p:txBody>
+            <a:bodyPr rot="0" spcFirstLastPara="0" vertOverflow="overflow" horzOverflow="overflow" vert="horz" wrap="square" lIns="91440" tIns="45720" rIns="91440" bIns="45720" numCol="1" spcCol="0" rtlCol="0" fromWordArt="0" anchor="ctr" anchorCtr="0" forceAA="0" compatLnSpc="1">
+              <a:prstTxWarp prst="textNoShape">
+                <a:avLst/>
+              </a:prstTxWarp>
+              <a:noAutofit/>
+            </a:bodyPr>
+            <a:lstStyle/>
+            <a:p>
+              <a:pPr algn="ctr"/>
+              <a:endParaRPr lang="ko-KR" altLang="en-US"/>
+            </a:p>
+          </p:txBody>
+        </p:sp>
+        <p:sp>
+          <p:nvSpPr>
+            <p:cNvPr id="2" name="직사각형 1">
+              <a:extLst>
+                <a:ext uri="{FF2B5EF4-FFF2-40B4-BE49-F238E27FC236}">
+                  <a16:creationId xmlns:a16="http://schemas.microsoft.com/office/drawing/2014/main" id="{ADED393F-81F8-4F4A-9916-B7A1F35E1939}"/>
+                </a:ext>
+              </a:extLst>
+            </p:cNvPr>
+            <p:cNvSpPr/>
+            <p:nvPr/>
+          </p:nvSpPr>
+          <p:spPr>
+            <a:xfrm>
+              <a:off x="4101737" y="-1566133"/>
+              <a:ext cx="618309" cy="10833939"/>
+            </a:xfrm>
+            <a:prstGeom prst="rect">
               <a:avLst/>
-            </a:prstTxWarp>
-            <a:noAutofit/>
-          </a:bodyPr>
-          <a:lstStyle/>
-          <a:p>
-            <a:pPr algn="ctr"/>
-            <a:endParaRPr lang="ko-KR" altLang="en-US"/>
-          </a:p>
-        </p:txBody>
-      </p:sp>
-      <p:sp>
-        <p:nvSpPr>
-          <p:cNvPr id="22" name="이등변 삼각형 21">
-            <a:extLst>
-              <a:ext uri="{FF2B5EF4-FFF2-40B4-BE49-F238E27FC236}">
-                <a16:creationId xmlns:a16="http://schemas.microsoft.com/office/drawing/2014/main" id="{498A7313-70B5-422F-909A-2628F1969728}"/>
-              </a:ext>
-            </a:extLst>
-          </p:cNvPr>
-          <p:cNvSpPr/>
-          <p:nvPr/>
-        </p:nvSpPr>
-        <p:spPr>
-          <a:xfrm>
-            <a:off x="3570514" y="3636082"/>
-            <a:ext cx="618309" cy="267550"/>
-          </a:xfrm>
-          <a:prstGeom prst="triangle">
-            <a:avLst/>
-          </a:prstGeom>
-          <a:solidFill>
-            <a:srgbClr val="234E60"/>
-          </a:solidFill>
-          <a:ln>
-            <a:noFill/>
-          </a:ln>
-        </p:spPr>
-        <p:style>
-          <a:lnRef idx="2">
-            <a:schemeClr val="accent1">
-              <a:shade val="50000"/>
-            </a:schemeClr>
-          </a:lnRef>
-          <a:fillRef idx="1">
-            <a:schemeClr val="accent1"/>
-          </a:fillRef>
-          <a:effectRef idx="0">
-            <a:schemeClr val="accent1"/>
-          </a:effectRef>
-          <a:fontRef idx="minor">
-            <a:schemeClr val="lt1"/>
-          </a:fontRef>
-        </p:style>
-        <p:txBody>
-          <a:bodyPr rot="0" spcFirstLastPara="0" vertOverflow="overflow" horzOverflow="overflow" vert="horz" wrap="square" lIns="91440" tIns="45720" rIns="91440" bIns="45720" numCol="1" spcCol="0" rtlCol="0" fromWordArt="0" anchor="ctr" anchorCtr="0" forceAA="0" compatLnSpc="1">
-            <a:prstTxWarp prst="textNoShape">
+            </a:prstGeom>
+            <a:solidFill>
+              <a:srgbClr val="463D33"/>
+            </a:solidFill>
+            <a:ln>
+              <a:noFill/>
+            </a:ln>
+          </p:spPr>
+          <p:style>
+            <a:lnRef idx="2">
+              <a:schemeClr val="accent1">
+                <a:shade val="50000"/>
+              </a:schemeClr>
+            </a:lnRef>
+            <a:fillRef idx="1">
+              <a:schemeClr val="accent1"/>
+            </a:fillRef>
+            <a:effectRef idx="0">
+              <a:schemeClr val="accent1"/>
+            </a:effectRef>
+            <a:fontRef idx="minor">
+              <a:schemeClr val="lt1"/>
+            </a:fontRef>
+          </p:style>
+          <p:txBody>
+            <a:bodyPr rot="0" spcFirstLastPara="0" vertOverflow="overflow" horzOverflow="overflow" vert="horz" wrap="square" lIns="91440" tIns="45720" rIns="91440" bIns="45720" numCol="1" spcCol="0" rtlCol="0" fromWordArt="0" anchor="ctr" anchorCtr="0" forceAA="0" compatLnSpc="1">
+              <a:prstTxWarp prst="textNoShape">
+                <a:avLst/>
+              </a:prstTxWarp>
+              <a:noAutofit/>
+            </a:bodyPr>
+            <a:lstStyle/>
+            <a:p>
+              <a:pPr algn="ctr"/>
+              <a:endParaRPr lang="ko-KR" altLang="en-US"/>
+            </a:p>
+          </p:txBody>
+        </p:sp>
+        <p:pic>
+          <p:nvPicPr>
+            <p:cNvPr id="4" name="그림 3" descr="톱, 나이프이(가) 표시된 사진&#10;&#10;자동 생성된 설명">
+              <a:extLst>
+                <a:ext uri="{FF2B5EF4-FFF2-40B4-BE49-F238E27FC236}">
+                  <a16:creationId xmlns:a16="http://schemas.microsoft.com/office/drawing/2014/main" id="{FEE8B924-CC9A-46E8-A5F4-5250C0B66605}"/>
+                </a:ext>
+              </a:extLst>
+            </p:cNvPr>
+            <p:cNvPicPr>
+              <a:picLocks noChangeAspect="1"/>
+            </p:cNvPicPr>
+            <p:nvPr/>
+          </p:nvPicPr>
+          <p:blipFill>
+            <a:blip r:embed="rId3">
+              <a:extLst>
+                <a:ext uri="{28A0092B-C50C-407E-A947-70E740481C1C}">
+                  <a14:useLocalDpi xmlns:a14="http://schemas.microsoft.com/office/drawing/2010/main" val="0"/>
+                </a:ext>
+              </a:extLst>
+            </a:blip>
+            <a:stretch>
+              <a:fillRect/>
+            </a:stretch>
+          </p:blipFill>
+          <p:spPr>
+            <a:xfrm>
+              <a:off x="4680857" y="5628352"/>
+              <a:ext cx="775063" cy="533650"/>
+            </a:xfrm>
+            <a:prstGeom prst="rect">
               <a:avLst/>
-            </a:prstTxWarp>
-            <a:noAutofit/>
-          </a:bodyPr>
-          <a:lstStyle/>
-          <a:p>
-            <a:pPr algn="ctr"/>
-            <a:endParaRPr lang="ko-KR" altLang="en-US"/>
-          </a:p>
-        </p:txBody>
-      </p:sp>
-      <p:sp>
-        <p:nvSpPr>
-          <p:cNvPr id="23" name="이등변 삼각형 22">
-            <a:extLst>
-              <a:ext uri="{FF2B5EF4-FFF2-40B4-BE49-F238E27FC236}">
-                <a16:creationId xmlns:a16="http://schemas.microsoft.com/office/drawing/2014/main" id="{7A1726D3-E83A-4DFD-BB55-F8DB677B9259}"/>
-              </a:ext>
-            </a:extLst>
-          </p:cNvPr>
-          <p:cNvSpPr/>
-          <p:nvPr/>
-        </p:nvSpPr>
-        <p:spPr>
-          <a:xfrm>
-            <a:off x="4380410" y="3406893"/>
-            <a:ext cx="775063" cy="335380"/>
-          </a:xfrm>
-          <a:prstGeom prst="triangle">
-            <a:avLst/>
-          </a:prstGeom>
-          <a:solidFill>
-            <a:srgbClr val="234E60"/>
-          </a:solidFill>
-          <a:ln>
-            <a:noFill/>
-          </a:ln>
-        </p:spPr>
-        <p:style>
-          <a:lnRef idx="2">
-            <a:schemeClr val="accent1">
-              <a:shade val="50000"/>
-            </a:schemeClr>
-          </a:lnRef>
-          <a:fillRef idx="1">
-            <a:schemeClr val="accent1"/>
-          </a:fillRef>
-          <a:effectRef idx="0">
-            <a:schemeClr val="accent1"/>
-          </a:effectRef>
-          <a:fontRef idx="minor">
-            <a:schemeClr val="lt1"/>
-          </a:fontRef>
-        </p:style>
-        <p:txBody>
-          <a:bodyPr rot="0" spcFirstLastPara="0" vertOverflow="overflow" horzOverflow="overflow" vert="horz" wrap="square" lIns="91440" tIns="45720" rIns="91440" bIns="45720" numCol="1" spcCol="0" rtlCol="0" fromWordArt="0" anchor="ctr" anchorCtr="0" forceAA="0" compatLnSpc="1">
-            <a:prstTxWarp prst="textNoShape">
+            </a:prstGeom>
+          </p:spPr>
+        </p:pic>
+        <p:pic>
+          <p:nvPicPr>
+            <p:cNvPr id="19" name="그림 18" descr="톱, 나이프이(가) 표시된 사진&#10;&#10;자동 생성된 설명">
+              <a:extLst>
+                <a:ext uri="{FF2B5EF4-FFF2-40B4-BE49-F238E27FC236}">
+                  <a16:creationId xmlns:a16="http://schemas.microsoft.com/office/drawing/2014/main" id="{9992DDDA-9040-4F66-871F-58B66CA7A3FC}"/>
+                </a:ext>
+              </a:extLst>
+            </p:cNvPr>
+            <p:cNvPicPr>
+              <a:picLocks noChangeAspect="1"/>
+            </p:cNvPicPr>
+            <p:nvPr/>
+          </p:nvPicPr>
+          <p:blipFill>
+            <a:blip r:embed="rId3">
+              <a:extLst>
+                <a:ext uri="{28A0092B-C50C-407E-A947-70E740481C1C}">
+                  <a14:useLocalDpi xmlns:a14="http://schemas.microsoft.com/office/drawing/2010/main" val="0"/>
+                </a:ext>
+              </a:extLst>
+            </a:blip>
+            <a:stretch>
+              <a:fillRect/>
+            </a:stretch>
+          </p:blipFill>
+          <p:spPr>
+            <a:xfrm flipH="1">
+              <a:off x="3222171" y="4821881"/>
+              <a:ext cx="879566" cy="605603"/>
+            </a:xfrm>
+            <a:prstGeom prst="rect">
               <a:avLst/>
-            </a:prstTxWarp>
-            <a:noAutofit/>
-          </a:bodyPr>
-          <a:lstStyle/>
-          <a:p>
-            <a:pPr algn="ctr"/>
-            <a:endParaRPr lang="ko-KR" altLang="en-US"/>
-          </a:p>
-        </p:txBody>
-      </p:sp>
-      <p:sp>
-        <p:nvSpPr>
-          <p:cNvPr id="24" name="이등변 삼각형 23">
-            <a:extLst>
-              <a:ext uri="{FF2B5EF4-FFF2-40B4-BE49-F238E27FC236}">
-                <a16:creationId xmlns:a16="http://schemas.microsoft.com/office/drawing/2014/main" id="{4FCB1995-62BA-4EF7-AA8B-602E6C1115BF}"/>
-              </a:ext>
-            </a:extLst>
-          </p:cNvPr>
-          <p:cNvSpPr/>
-          <p:nvPr/>
-        </p:nvSpPr>
-        <p:spPr>
-          <a:xfrm>
-            <a:off x="4380410" y="4057034"/>
-            <a:ext cx="687979" cy="297698"/>
-          </a:xfrm>
-          <a:prstGeom prst="triangle">
-            <a:avLst/>
-          </a:prstGeom>
-          <a:solidFill>
-            <a:srgbClr val="234E60"/>
-          </a:solidFill>
-          <a:ln>
-            <a:noFill/>
-          </a:ln>
-        </p:spPr>
-        <p:style>
-          <a:lnRef idx="2">
-            <a:schemeClr val="accent1">
-              <a:shade val="50000"/>
-            </a:schemeClr>
-          </a:lnRef>
-          <a:fillRef idx="1">
-            <a:schemeClr val="accent1"/>
-          </a:fillRef>
-          <a:effectRef idx="0">
-            <a:schemeClr val="accent1"/>
-          </a:effectRef>
-          <a:fontRef idx="minor">
-            <a:schemeClr val="lt1"/>
-          </a:fontRef>
-        </p:style>
-        <p:txBody>
-          <a:bodyPr rot="0" spcFirstLastPara="0" vertOverflow="overflow" horzOverflow="overflow" vert="horz" wrap="square" lIns="91440" tIns="45720" rIns="91440" bIns="45720" numCol="1" spcCol="0" rtlCol="0" fromWordArt="0" anchor="ctr" anchorCtr="0" forceAA="0" compatLnSpc="1">
-            <a:prstTxWarp prst="textNoShape">
+            </a:prstGeom>
+          </p:spPr>
+        </p:pic>
+        <p:sp>
+          <p:nvSpPr>
+            <p:cNvPr id="5" name="이등변 삼각형 4">
+              <a:extLst>
+                <a:ext uri="{FF2B5EF4-FFF2-40B4-BE49-F238E27FC236}">
+                  <a16:creationId xmlns:a16="http://schemas.microsoft.com/office/drawing/2014/main" id="{C492E108-2FFD-45B5-B5C9-9B6828632547}"/>
+                </a:ext>
+              </a:extLst>
+            </p:cNvPr>
+            <p:cNvSpPr/>
+            <p:nvPr/>
+          </p:nvSpPr>
+          <p:spPr>
+            <a:xfrm>
+              <a:off x="3348445" y="2840816"/>
+              <a:ext cx="1062446" cy="459734"/>
+            </a:xfrm>
+            <a:prstGeom prst="triangle">
               <a:avLst/>
-            </a:prstTxWarp>
-            <a:noAutofit/>
-          </a:bodyPr>
-          <a:lstStyle/>
-          <a:p>
-            <a:pPr algn="ctr"/>
-            <a:endParaRPr lang="ko-KR" altLang="en-US"/>
-          </a:p>
-        </p:txBody>
-      </p:sp>
-      <p:sp>
-        <p:nvSpPr>
-          <p:cNvPr id="25" name="이등변 삼각형 24">
-            <a:extLst>
-              <a:ext uri="{FF2B5EF4-FFF2-40B4-BE49-F238E27FC236}">
-                <a16:creationId xmlns:a16="http://schemas.microsoft.com/office/drawing/2014/main" id="{23A1D423-FA2F-4BAE-A6D3-BF1DAD364065}"/>
-              </a:ext>
-            </a:extLst>
-          </p:cNvPr>
-          <p:cNvSpPr/>
-          <p:nvPr/>
-        </p:nvSpPr>
-        <p:spPr>
-          <a:xfrm>
-            <a:off x="4293325" y="2691967"/>
-            <a:ext cx="687979" cy="297698"/>
-          </a:xfrm>
-          <a:prstGeom prst="triangle">
-            <a:avLst/>
-          </a:prstGeom>
-          <a:solidFill>
-            <a:srgbClr val="234E60"/>
-          </a:solidFill>
-          <a:ln>
-            <a:noFill/>
-          </a:ln>
-        </p:spPr>
-        <p:style>
-          <a:lnRef idx="2">
-            <a:schemeClr val="accent1">
-              <a:shade val="50000"/>
-            </a:schemeClr>
-          </a:lnRef>
-          <a:fillRef idx="1">
-            <a:schemeClr val="accent1"/>
-          </a:fillRef>
-          <a:effectRef idx="0">
-            <a:schemeClr val="accent1"/>
-          </a:effectRef>
-          <a:fontRef idx="minor">
-            <a:schemeClr val="lt1"/>
-          </a:fontRef>
-        </p:style>
-        <p:txBody>
-          <a:bodyPr rot="0" spcFirstLastPara="0" vertOverflow="overflow" horzOverflow="overflow" vert="horz" wrap="square" lIns="91440" tIns="45720" rIns="91440" bIns="45720" numCol="1" spcCol="0" rtlCol="0" fromWordArt="0" anchor="ctr" anchorCtr="0" forceAA="0" compatLnSpc="1">
-            <a:prstTxWarp prst="textNoShape">
+            </a:prstGeom>
+            <a:solidFill>
+              <a:srgbClr val="234E60"/>
+            </a:solidFill>
+            <a:ln>
+              <a:noFill/>
+            </a:ln>
+          </p:spPr>
+          <p:style>
+            <a:lnRef idx="2">
+              <a:schemeClr val="accent1">
+                <a:shade val="50000"/>
+              </a:schemeClr>
+            </a:lnRef>
+            <a:fillRef idx="1">
+              <a:schemeClr val="accent1"/>
+            </a:fillRef>
+            <a:effectRef idx="0">
+              <a:schemeClr val="accent1"/>
+            </a:effectRef>
+            <a:fontRef idx="minor">
+              <a:schemeClr val="lt1"/>
+            </a:fontRef>
+          </p:style>
+          <p:txBody>
+            <a:bodyPr rot="0" spcFirstLastPara="0" vertOverflow="overflow" horzOverflow="overflow" vert="horz" wrap="square" lIns="91440" tIns="45720" rIns="91440" bIns="45720" numCol="1" spcCol="0" rtlCol="0" fromWordArt="0" anchor="ctr" anchorCtr="0" forceAA="0" compatLnSpc="1">
+              <a:prstTxWarp prst="textNoShape">
+                <a:avLst/>
+              </a:prstTxWarp>
+              <a:noAutofit/>
+            </a:bodyPr>
+            <a:lstStyle/>
+            <a:p>
+              <a:pPr algn="ctr"/>
+              <a:endParaRPr lang="ko-KR" altLang="en-US"/>
+            </a:p>
+          </p:txBody>
+        </p:sp>
+        <p:sp>
+          <p:nvSpPr>
+            <p:cNvPr id="22" name="이등변 삼각형 21">
+              <a:extLst>
+                <a:ext uri="{FF2B5EF4-FFF2-40B4-BE49-F238E27FC236}">
+                  <a16:creationId xmlns:a16="http://schemas.microsoft.com/office/drawing/2014/main" id="{498A7313-70B5-422F-909A-2628F1969728}"/>
+                </a:ext>
+              </a:extLst>
+            </p:cNvPr>
+            <p:cNvSpPr/>
+            <p:nvPr/>
+          </p:nvSpPr>
+          <p:spPr>
+            <a:xfrm>
+              <a:off x="3570514" y="3636082"/>
+              <a:ext cx="618309" cy="267550"/>
+            </a:xfrm>
+            <a:prstGeom prst="triangle">
               <a:avLst/>
-            </a:prstTxWarp>
-            <a:noAutofit/>
-          </a:bodyPr>
-          <a:lstStyle/>
-          <a:p>
-            <a:pPr algn="ctr"/>
-            <a:endParaRPr lang="ko-KR" altLang="en-US"/>
-          </a:p>
-        </p:txBody>
-      </p:sp>
+            </a:prstGeom>
+            <a:solidFill>
+              <a:srgbClr val="234E60"/>
+            </a:solidFill>
+            <a:ln>
+              <a:noFill/>
+            </a:ln>
+          </p:spPr>
+          <p:style>
+            <a:lnRef idx="2">
+              <a:schemeClr val="accent1">
+                <a:shade val="50000"/>
+              </a:schemeClr>
+            </a:lnRef>
+            <a:fillRef idx="1">
+              <a:schemeClr val="accent1"/>
+            </a:fillRef>
+            <a:effectRef idx="0">
+              <a:schemeClr val="accent1"/>
+            </a:effectRef>
+            <a:fontRef idx="minor">
+              <a:schemeClr val="lt1"/>
+            </a:fontRef>
+          </p:style>
+          <p:txBody>
+            <a:bodyPr rot="0" spcFirstLastPara="0" vertOverflow="overflow" horzOverflow="overflow" vert="horz" wrap="square" lIns="91440" tIns="45720" rIns="91440" bIns="45720" numCol="1" spcCol="0" rtlCol="0" fromWordArt="0" anchor="ctr" anchorCtr="0" forceAA="0" compatLnSpc="1">
+              <a:prstTxWarp prst="textNoShape">
+                <a:avLst/>
+              </a:prstTxWarp>
+              <a:noAutofit/>
+            </a:bodyPr>
+            <a:lstStyle/>
+            <a:p>
+              <a:pPr algn="ctr"/>
+              <a:endParaRPr lang="ko-KR" altLang="en-US"/>
+            </a:p>
+          </p:txBody>
+        </p:sp>
+        <p:sp>
+          <p:nvSpPr>
+            <p:cNvPr id="23" name="이등변 삼각형 22">
+              <a:extLst>
+                <a:ext uri="{FF2B5EF4-FFF2-40B4-BE49-F238E27FC236}">
+                  <a16:creationId xmlns:a16="http://schemas.microsoft.com/office/drawing/2014/main" id="{7A1726D3-E83A-4DFD-BB55-F8DB677B9259}"/>
+                </a:ext>
+              </a:extLst>
+            </p:cNvPr>
+            <p:cNvSpPr/>
+            <p:nvPr/>
+          </p:nvSpPr>
+          <p:spPr>
+            <a:xfrm>
+              <a:off x="4380410" y="3406893"/>
+              <a:ext cx="775063" cy="335380"/>
+            </a:xfrm>
+            <a:prstGeom prst="triangle">
+              <a:avLst/>
+            </a:prstGeom>
+            <a:solidFill>
+              <a:srgbClr val="234E60"/>
+            </a:solidFill>
+            <a:ln>
+              <a:noFill/>
+            </a:ln>
+          </p:spPr>
+          <p:style>
+            <a:lnRef idx="2">
+              <a:schemeClr val="accent1">
+                <a:shade val="50000"/>
+              </a:schemeClr>
+            </a:lnRef>
+            <a:fillRef idx="1">
+              <a:schemeClr val="accent1"/>
+            </a:fillRef>
+            <a:effectRef idx="0">
+              <a:schemeClr val="accent1"/>
+            </a:effectRef>
+            <a:fontRef idx="minor">
+              <a:schemeClr val="lt1"/>
+            </a:fontRef>
+          </p:style>
+          <p:txBody>
+            <a:bodyPr rot="0" spcFirstLastPara="0" vertOverflow="overflow" horzOverflow="overflow" vert="horz" wrap="square" lIns="91440" tIns="45720" rIns="91440" bIns="45720" numCol="1" spcCol="0" rtlCol="0" fromWordArt="0" anchor="ctr" anchorCtr="0" forceAA="0" compatLnSpc="1">
+              <a:prstTxWarp prst="textNoShape">
+                <a:avLst/>
+              </a:prstTxWarp>
+              <a:noAutofit/>
+            </a:bodyPr>
+            <a:lstStyle/>
+            <a:p>
+              <a:pPr algn="ctr"/>
+              <a:endParaRPr lang="ko-KR" altLang="en-US"/>
+            </a:p>
+          </p:txBody>
+        </p:sp>
+        <p:sp>
+          <p:nvSpPr>
+            <p:cNvPr id="24" name="이등변 삼각형 23">
+              <a:extLst>
+                <a:ext uri="{FF2B5EF4-FFF2-40B4-BE49-F238E27FC236}">
+                  <a16:creationId xmlns:a16="http://schemas.microsoft.com/office/drawing/2014/main" id="{4FCB1995-62BA-4EF7-AA8B-602E6C1115BF}"/>
+                </a:ext>
+              </a:extLst>
+            </p:cNvPr>
+            <p:cNvSpPr/>
+            <p:nvPr/>
+          </p:nvSpPr>
+          <p:spPr>
+            <a:xfrm>
+              <a:off x="4380410" y="4057034"/>
+              <a:ext cx="687979" cy="297698"/>
+            </a:xfrm>
+            <a:prstGeom prst="triangle">
+              <a:avLst/>
+            </a:prstGeom>
+            <a:solidFill>
+              <a:srgbClr val="234E60"/>
+            </a:solidFill>
+            <a:ln>
+              <a:noFill/>
+            </a:ln>
+          </p:spPr>
+          <p:style>
+            <a:lnRef idx="2">
+              <a:schemeClr val="accent1">
+                <a:shade val="50000"/>
+              </a:schemeClr>
+            </a:lnRef>
+            <a:fillRef idx="1">
+              <a:schemeClr val="accent1"/>
+            </a:fillRef>
+            <a:effectRef idx="0">
+              <a:schemeClr val="accent1"/>
+            </a:effectRef>
+            <a:fontRef idx="minor">
+              <a:schemeClr val="lt1"/>
+            </a:fontRef>
+          </p:style>
+          <p:txBody>
+            <a:bodyPr rot="0" spcFirstLastPara="0" vertOverflow="overflow" horzOverflow="overflow" vert="horz" wrap="square" lIns="91440" tIns="45720" rIns="91440" bIns="45720" numCol="1" spcCol="0" rtlCol="0" fromWordArt="0" anchor="ctr" anchorCtr="0" forceAA="0" compatLnSpc="1">
+              <a:prstTxWarp prst="textNoShape">
+                <a:avLst/>
+              </a:prstTxWarp>
+              <a:noAutofit/>
+            </a:bodyPr>
+            <a:lstStyle/>
+            <a:p>
+              <a:pPr algn="ctr"/>
+              <a:endParaRPr lang="ko-KR" altLang="en-US"/>
+            </a:p>
+          </p:txBody>
+        </p:sp>
+        <p:sp>
+          <p:nvSpPr>
+            <p:cNvPr id="25" name="이등변 삼각형 24">
+              <a:extLst>
+                <a:ext uri="{FF2B5EF4-FFF2-40B4-BE49-F238E27FC236}">
+                  <a16:creationId xmlns:a16="http://schemas.microsoft.com/office/drawing/2014/main" id="{23A1D423-FA2F-4BAE-A6D3-BF1DAD364065}"/>
+                </a:ext>
+              </a:extLst>
+            </p:cNvPr>
+            <p:cNvSpPr/>
+            <p:nvPr/>
+          </p:nvSpPr>
+          <p:spPr>
+            <a:xfrm>
+              <a:off x="4293325" y="2691967"/>
+              <a:ext cx="687979" cy="297698"/>
+            </a:xfrm>
+            <a:prstGeom prst="triangle">
+              <a:avLst/>
+            </a:prstGeom>
+            <a:solidFill>
+              <a:srgbClr val="234E60"/>
+            </a:solidFill>
+            <a:ln>
+              <a:noFill/>
+            </a:ln>
+          </p:spPr>
+          <p:style>
+            <a:lnRef idx="2">
+              <a:schemeClr val="accent1">
+                <a:shade val="50000"/>
+              </a:schemeClr>
+            </a:lnRef>
+            <a:fillRef idx="1">
+              <a:schemeClr val="accent1"/>
+            </a:fillRef>
+            <a:effectRef idx="0">
+              <a:schemeClr val="accent1"/>
+            </a:effectRef>
+            <a:fontRef idx="minor">
+              <a:schemeClr val="lt1"/>
+            </a:fontRef>
+          </p:style>
+          <p:txBody>
+            <a:bodyPr rot="0" spcFirstLastPara="0" vertOverflow="overflow" horzOverflow="overflow" vert="horz" wrap="square" lIns="91440" tIns="45720" rIns="91440" bIns="45720" numCol="1" spcCol="0" rtlCol="0" fromWordArt="0" anchor="ctr" anchorCtr="0" forceAA="0" compatLnSpc="1">
+              <a:prstTxWarp prst="textNoShape">
+                <a:avLst/>
+              </a:prstTxWarp>
+              <a:noAutofit/>
+            </a:bodyPr>
+            <a:lstStyle/>
+            <a:p>
+              <a:pPr algn="ctr"/>
+              <a:endParaRPr lang="ko-KR" altLang="en-US"/>
+            </a:p>
+          </p:txBody>
+        </p:sp>
+        <p:sp>
+          <p:nvSpPr>
+            <p:cNvPr id="26" name="이등변 삼각형 25">
+              <a:extLst>
+                <a:ext uri="{FF2B5EF4-FFF2-40B4-BE49-F238E27FC236}">
+                  <a16:creationId xmlns:a16="http://schemas.microsoft.com/office/drawing/2014/main" id="{DB2200C7-AF8D-45D1-821C-61B618C9DF33}"/>
+                </a:ext>
+              </a:extLst>
+            </p:cNvPr>
+            <p:cNvSpPr/>
+            <p:nvPr/>
+          </p:nvSpPr>
+          <p:spPr>
+            <a:xfrm>
+              <a:off x="3844833" y="2433369"/>
+              <a:ext cx="687979" cy="297698"/>
+            </a:xfrm>
+            <a:prstGeom prst="triangle">
+              <a:avLst/>
+            </a:prstGeom>
+            <a:solidFill>
+              <a:srgbClr val="234E60"/>
+            </a:solidFill>
+            <a:ln>
+              <a:noFill/>
+            </a:ln>
+          </p:spPr>
+          <p:style>
+            <a:lnRef idx="2">
+              <a:schemeClr val="accent1">
+                <a:shade val="50000"/>
+              </a:schemeClr>
+            </a:lnRef>
+            <a:fillRef idx="1">
+              <a:schemeClr val="accent1"/>
+            </a:fillRef>
+            <a:effectRef idx="0">
+              <a:schemeClr val="accent1"/>
+            </a:effectRef>
+            <a:fontRef idx="minor">
+              <a:schemeClr val="lt1"/>
+            </a:fontRef>
+          </p:style>
+          <p:txBody>
+            <a:bodyPr rot="0" spcFirstLastPara="0" vertOverflow="overflow" horzOverflow="overflow" vert="horz" wrap="square" lIns="91440" tIns="45720" rIns="91440" bIns="45720" numCol="1" spcCol="0" rtlCol="0" fromWordArt="0" anchor="ctr" anchorCtr="0" forceAA="0" compatLnSpc="1">
+              <a:prstTxWarp prst="textNoShape">
+                <a:avLst/>
+              </a:prstTxWarp>
+              <a:noAutofit/>
+            </a:bodyPr>
+            <a:lstStyle/>
+            <a:p>
+              <a:pPr algn="ctr"/>
+              <a:endParaRPr lang="ko-KR" altLang="en-US"/>
+            </a:p>
+          </p:txBody>
+        </p:sp>
+        <p:sp>
+          <p:nvSpPr>
+            <p:cNvPr id="28" name="이등변 삼각형 27">
+              <a:extLst>
+                <a:ext uri="{FF2B5EF4-FFF2-40B4-BE49-F238E27FC236}">
+                  <a16:creationId xmlns:a16="http://schemas.microsoft.com/office/drawing/2014/main" id="{93923C91-C993-47D1-9727-8E8DAD58C81B}"/>
+                </a:ext>
+              </a:extLst>
+            </p:cNvPr>
+            <p:cNvSpPr/>
+            <p:nvPr/>
+          </p:nvSpPr>
+          <p:spPr>
+            <a:xfrm>
+              <a:off x="4101737" y="2360228"/>
+              <a:ext cx="1343521" cy="581360"/>
+            </a:xfrm>
+            <a:prstGeom prst="triangle">
+              <a:avLst/>
+            </a:prstGeom>
+            <a:solidFill>
+              <a:srgbClr val="234E60"/>
+            </a:solidFill>
+            <a:ln>
+              <a:noFill/>
+            </a:ln>
+          </p:spPr>
+          <p:style>
+            <a:lnRef idx="2">
+              <a:schemeClr val="accent1">
+                <a:shade val="50000"/>
+              </a:schemeClr>
+            </a:lnRef>
+            <a:fillRef idx="1">
+              <a:schemeClr val="accent1"/>
+            </a:fillRef>
+            <a:effectRef idx="0">
+              <a:schemeClr val="accent1"/>
+            </a:effectRef>
+            <a:fontRef idx="minor">
+              <a:schemeClr val="lt1"/>
+            </a:fontRef>
+          </p:style>
+          <p:txBody>
+            <a:bodyPr rot="0" spcFirstLastPara="0" vertOverflow="overflow" horzOverflow="overflow" vert="horz" wrap="square" lIns="91440" tIns="45720" rIns="91440" bIns="45720" numCol="1" spcCol="0" rtlCol="0" fromWordArt="0" anchor="ctr" anchorCtr="0" forceAA="0" compatLnSpc="1">
+              <a:prstTxWarp prst="textNoShape">
+                <a:avLst/>
+              </a:prstTxWarp>
+              <a:noAutofit/>
+            </a:bodyPr>
+            <a:lstStyle/>
+            <a:p>
+              <a:pPr algn="ctr"/>
+              <a:endParaRPr lang="ko-KR" altLang="en-US"/>
+            </a:p>
+          </p:txBody>
+        </p:sp>
+        <p:sp>
+          <p:nvSpPr>
+            <p:cNvPr id="29" name="이등변 삼각형 28">
+              <a:extLst>
+                <a:ext uri="{FF2B5EF4-FFF2-40B4-BE49-F238E27FC236}">
+                  <a16:creationId xmlns:a16="http://schemas.microsoft.com/office/drawing/2014/main" id="{BFE8898F-A80C-4895-885D-880E284CE441}"/>
+                </a:ext>
+              </a:extLst>
+            </p:cNvPr>
+            <p:cNvSpPr/>
+            <p:nvPr/>
+          </p:nvSpPr>
+          <p:spPr>
+            <a:xfrm>
+              <a:off x="3277574" y="1836896"/>
+              <a:ext cx="1343521" cy="581360"/>
+            </a:xfrm>
+            <a:prstGeom prst="triangle">
+              <a:avLst/>
+            </a:prstGeom>
+            <a:solidFill>
+              <a:srgbClr val="234E60"/>
+            </a:solidFill>
+            <a:ln>
+              <a:noFill/>
+            </a:ln>
+          </p:spPr>
+          <p:style>
+            <a:lnRef idx="2">
+              <a:schemeClr val="accent1">
+                <a:shade val="50000"/>
+              </a:schemeClr>
+            </a:lnRef>
+            <a:fillRef idx="1">
+              <a:schemeClr val="accent1"/>
+            </a:fillRef>
+            <a:effectRef idx="0">
+              <a:schemeClr val="accent1"/>
+            </a:effectRef>
+            <a:fontRef idx="minor">
+              <a:schemeClr val="lt1"/>
+            </a:fontRef>
+          </p:style>
+          <p:txBody>
+            <a:bodyPr rot="0" spcFirstLastPara="0" vertOverflow="overflow" horzOverflow="overflow" vert="horz" wrap="square" lIns="91440" tIns="45720" rIns="91440" bIns="45720" numCol="1" spcCol="0" rtlCol="0" fromWordArt="0" anchor="ctr" anchorCtr="0" forceAA="0" compatLnSpc="1">
+              <a:prstTxWarp prst="textNoShape">
+                <a:avLst/>
+              </a:prstTxWarp>
+              <a:noAutofit/>
+            </a:bodyPr>
+            <a:lstStyle/>
+            <a:p>
+              <a:pPr algn="ctr"/>
+              <a:endParaRPr lang="ko-KR" altLang="en-US"/>
+            </a:p>
+          </p:txBody>
+        </p:sp>
+        <p:sp>
+          <p:nvSpPr>
+            <p:cNvPr id="30" name="이등변 삼각형 29">
+              <a:extLst>
+                <a:ext uri="{FF2B5EF4-FFF2-40B4-BE49-F238E27FC236}">
+                  <a16:creationId xmlns:a16="http://schemas.microsoft.com/office/drawing/2014/main" id="{E3622A0A-BBAF-4C73-9B1F-60428CFA0FD9}"/>
+                </a:ext>
+              </a:extLst>
+            </p:cNvPr>
+            <p:cNvSpPr/>
+            <p:nvPr/>
+          </p:nvSpPr>
+          <p:spPr>
+            <a:xfrm>
+              <a:off x="3708649" y="1801010"/>
+              <a:ext cx="1343521" cy="581360"/>
+            </a:xfrm>
+            <a:prstGeom prst="triangle">
+              <a:avLst/>
+            </a:prstGeom>
+            <a:solidFill>
+              <a:srgbClr val="234E60"/>
+            </a:solidFill>
+            <a:ln>
+              <a:noFill/>
+            </a:ln>
+          </p:spPr>
+          <p:style>
+            <a:lnRef idx="2">
+              <a:schemeClr val="accent1">
+                <a:shade val="50000"/>
+              </a:schemeClr>
+            </a:lnRef>
+            <a:fillRef idx="1">
+              <a:schemeClr val="accent1"/>
+            </a:fillRef>
+            <a:effectRef idx="0">
+              <a:schemeClr val="accent1"/>
+            </a:effectRef>
+            <a:fontRef idx="minor">
+              <a:schemeClr val="lt1"/>
+            </a:fontRef>
+          </p:style>
+          <p:txBody>
+            <a:bodyPr rot="0" spcFirstLastPara="0" vertOverflow="overflow" horzOverflow="overflow" vert="horz" wrap="square" lIns="91440" tIns="45720" rIns="91440" bIns="45720" numCol="1" spcCol="0" rtlCol="0" fromWordArt="0" anchor="ctr" anchorCtr="0" forceAA="0" compatLnSpc="1">
+              <a:prstTxWarp prst="textNoShape">
+                <a:avLst/>
+              </a:prstTxWarp>
+              <a:noAutofit/>
+            </a:bodyPr>
+            <a:lstStyle/>
+            <a:p>
+              <a:pPr algn="ctr"/>
+              <a:endParaRPr lang="ko-KR" altLang="en-US"/>
+            </a:p>
+          </p:txBody>
+        </p:sp>
+        <p:sp>
+          <p:nvSpPr>
+            <p:cNvPr id="31" name="이등변 삼각형 30">
+              <a:extLst>
+                <a:ext uri="{FF2B5EF4-FFF2-40B4-BE49-F238E27FC236}">
+                  <a16:creationId xmlns:a16="http://schemas.microsoft.com/office/drawing/2014/main" id="{F17D5BF4-326B-46CB-9234-8E461098A00F}"/>
+                </a:ext>
+              </a:extLst>
+            </p:cNvPr>
+            <p:cNvSpPr/>
+            <p:nvPr/>
+          </p:nvSpPr>
+          <p:spPr>
+            <a:xfrm>
+              <a:off x="3517061" y="1419906"/>
+              <a:ext cx="1343521" cy="581360"/>
+            </a:xfrm>
+            <a:prstGeom prst="triangle">
+              <a:avLst/>
+            </a:prstGeom>
+            <a:solidFill>
+              <a:srgbClr val="234E60"/>
+            </a:solidFill>
+            <a:ln>
+              <a:noFill/>
+            </a:ln>
+          </p:spPr>
+          <p:style>
+            <a:lnRef idx="2">
+              <a:schemeClr val="accent1">
+                <a:shade val="50000"/>
+              </a:schemeClr>
+            </a:lnRef>
+            <a:fillRef idx="1">
+              <a:schemeClr val="accent1"/>
+            </a:fillRef>
+            <a:effectRef idx="0">
+              <a:schemeClr val="accent1"/>
+            </a:effectRef>
+            <a:fontRef idx="minor">
+              <a:schemeClr val="lt1"/>
+            </a:fontRef>
+          </p:style>
+          <p:txBody>
+            <a:bodyPr rot="0" spcFirstLastPara="0" vertOverflow="overflow" horzOverflow="overflow" vert="horz" wrap="square" lIns="91440" tIns="45720" rIns="91440" bIns="45720" numCol="1" spcCol="0" rtlCol="0" fromWordArt="0" anchor="ctr" anchorCtr="0" forceAA="0" compatLnSpc="1">
+              <a:prstTxWarp prst="textNoShape">
+                <a:avLst/>
+              </a:prstTxWarp>
+              <a:noAutofit/>
+            </a:bodyPr>
+            <a:lstStyle/>
+            <a:p>
+              <a:pPr algn="ctr"/>
+              <a:endParaRPr lang="ko-KR" altLang="en-US"/>
+            </a:p>
+          </p:txBody>
+        </p:sp>
+        <p:sp>
+          <p:nvSpPr>
+            <p:cNvPr id="27" name="이등변 삼각형 26">
+              <a:extLst>
+                <a:ext uri="{FF2B5EF4-FFF2-40B4-BE49-F238E27FC236}">
+                  <a16:creationId xmlns:a16="http://schemas.microsoft.com/office/drawing/2014/main" id="{F11EAAD1-F770-4FF0-8C6F-D1BE4E8811D1}"/>
+                </a:ext>
+              </a:extLst>
+            </p:cNvPr>
+            <p:cNvSpPr/>
+            <p:nvPr/>
+          </p:nvSpPr>
+          <p:spPr>
+            <a:xfrm>
+              <a:off x="3605346" y="1907075"/>
+              <a:ext cx="687979" cy="297698"/>
+            </a:xfrm>
+            <a:prstGeom prst="triangle">
+              <a:avLst/>
+            </a:prstGeom>
+            <a:solidFill>
+              <a:srgbClr val="316E87"/>
+            </a:solidFill>
+            <a:ln>
+              <a:noFill/>
+            </a:ln>
+          </p:spPr>
+          <p:style>
+            <a:lnRef idx="2">
+              <a:schemeClr val="accent1">
+                <a:shade val="50000"/>
+              </a:schemeClr>
+            </a:lnRef>
+            <a:fillRef idx="1">
+              <a:schemeClr val="accent1"/>
+            </a:fillRef>
+            <a:effectRef idx="0">
+              <a:schemeClr val="accent1"/>
+            </a:effectRef>
+            <a:fontRef idx="minor">
+              <a:schemeClr val="lt1"/>
+            </a:fontRef>
+          </p:style>
+          <p:txBody>
+            <a:bodyPr rot="0" spcFirstLastPara="0" vertOverflow="overflow" horzOverflow="overflow" vert="horz" wrap="square" lIns="91440" tIns="45720" rIns="91440" bIns="45720" numCol="1" spcCol="0" rtlCol="0" fromWordArt="0" anchor="ctr" anchorCtr="0" forceAA="0" compatLnSpc="1">
+              <a:prstTxWarp prst="textNoShape">
+                <a:avLst/>
+              </a:prstTxWarp>
+              <a:noAutofit/>
+            </a:bodyPr>
+            <a:lstStyle/>
+            <a:p>
+              <a:pPr algn="ctr"/>
+              <a:endParaRPr lang="ko-KR" altLang="en-US"/>
+            </a:p>
+          </p:txBody>
+        </p:sp>
+        <p:sp>
+          <p:nvSpPr>
+            <p:cNvPr id="32" name="이등변 삼각형 31">
+              <a:extLst>
+                <a:ext uri="{FF2B5EF4-FFF2-40B4-BE49-F238E27FC236}">
+                  <a16:creationId xmlns:a16="http://schemas.microsoft.com/office/drawing/2014/main" id="{E1956D5C-57AB-466C-81D0-127752C76957}"/>
+                </a:ext>
+              </a:extLst>
+            </p:cNvPr>
+            <p:cNvSpPr/>
+            <p:nvPr/>
+          </p:nvSpPr>
+          <p:spPr>
+            <a:xfrm>
+              <a:off x="3543186" y="1125154"/>
+              <a:ext cx="1343521" cy="581360"/>
+            </a:xfrm>
+            <a:prstGeom prst="triangle">
+              <a:avLst/>
+            </a:prstGeom>
+            <a:solidFill>
+              <a:srgbClr val="234E60"/>
+            </a:solidFill>
+            <a:ln>
+              <a:noFill/>
+            </a:ln>
+          </p:spPr>
+          <p:style>
+            <a:lnRef idx="2">
+              <a:schemeClr val="accent1">
+                <a:shade val="50000"/>
+              </a:schemeClr>
+            </a:lnRef>
+            <a:fillRef idx="1">
+              <a:schemeClr val="accent1"/>
+            </a:fillRef>
+            <a:effectRef idx="0">
+              <a:schemeClr val="accent1"/>
+            </a:effectRef>
+            <a:fontRef idx="minor">
+              <a:schemeClr val="lt1"/>
+            </a:fontRef>
+          </p:style>
+          <p:txBody>
+            <a:bodyPr rot="0" spcFirstLastPara="0" vertOverflow="overflow" horzOverflow="overflow" vert="horz" wrap="square" lIns="91440" tIns="45720" rIns="91440" bIns="45720" numCol="1" spcCol="0" rtlCol="0" fromWordArt="0" anchor="ctr" anchorCtr="0" forceAA="0" compatLnSpc="1">
+              <a:prstTxWarp prst="textNoShape">
+                <a:avLst/>
+              </a:prstTxWarp>
+              <a:noAutofit/>
+            </a:bodyPr>
+            <a:lstStyle/>
+            <a:p>
+              <a:pPr algn="ctr"/>
+              <a:endParaRPr lang="ko-KR" altLang="en-US"/>
+            </a:p>
+          </p:txBody>
+        </p:sp>
+        <p:sp>
+          <p:nvSpPr>
+            <p:cNvPr id="33" name="이등변 삼각형 32">
+              <a:extLst>
+                <a:ext uri="{FF2B5EF4-FFF2-40B4-BE49-F238E27FC236}">
+                  <a16:creationId xmlns:a16="http://schemas.microsoft.com/office/drawing/2014/main" id="{C437D730-3BB2-4EDD-801F-7D5BCFAD3480}"/>
+                </a:ext>
+              </a:extLst>
+            </p:cNvPr>
+            <p:cNvSpPr/>
+            <p:nvPr/>
+          </p:nvSpPr>
+          <p:spPr>
+            <a:xfrm>
+              <a:off x="3067370" y="1009129"/>
+              <a:ext cx="1343521" cy="581360"/>
+            </a:xfrm>
+            <a:prstGeom prst="triangle">
+              <a:avLst/>
+            </a:prstGeom>
+            <a:solidFill>
+              <a:srgbClr val="234E60"/>
+            </a:solidFill>
+            <a:ln>
+              <a:noFill/>
+            </a:ln>
+          </p:spPr>
+          <p:style>
+            <a:lnRef idx="2">
+              <a:schemeClr val="accent1">
+                <a:shade val="50000"/>
+              </a:schemeClr>
+            </a:lnRef>
+            <a:fillRef idx="1">
+              <a:schemeClr val="accent1"/>
+            </a:fillRef>
+            <a:effectRef idx="0">
+              <a:schemeClr val="accent1"/>
+            </a:effectRef>
+            <a:fontRef idx="minor">
+              <a:schemeClr val="lt1"/>
+            </a:fontRef>
+          </p:style>
+          <p:txBody>
+            <a:bodyPr rot="0" spcFirstLastPara="0" vertOverflow="overflow" horzOverflow="overflow" vert="horz" wrap="square" lIns="91440" tIns="45720" rIns="91440" bIns="45720" numCol="1" spcCol="0" rtlCol="0" fromWordArt="0" anchor="ctr" anchorCtr="0" forceAA="0" compatLnSpc="1">
+              <a:prstTxWarp prst="textNoShape">
+                <a:avLst/>
+              </a:prstTxWarp>
+              <a:noAutofit/>
+            </a:bodyPr>
+            <a:lstStyle/>
+            <a:p>
+              <a:pPr algn="ctr"/>
+              <a:endParaRPr lang="ko-KR" altLang="en-US"/>
+            </a:p>
+          </p:txBody>
+        </p:sp>
+        <p:sp>
+          <p:nvSpPr>
+            <p:cNvPr id="34" name="이등변 삼각형 33">
+              <a:extLst>
+                <a:ext uri="{FF2B5EF4-FFF2-40B4-BE49-F238E27FC236}">
+                  <a16:creationId xmlns:a16="http://schemas.microsoft.com/office/drawing/2014/main" id="{2554C844-19AC-47DB-BF15-3E8D8C00580C}"/>
+                </a:ext>
+              </a:extLst>
+            </p:cNvPr>
+            <p:cNvSpPr/>
+            <p:nvPr/>
+          </p:nvSpPr>
+          <p:spPr>
+            <a:xfrm>
+              <a:off x="3277573" y="543794"/>
+              <a:ext cx="1343521" cy="581360"/>
+            </a:xfrm>
+            <a:prstGeom prst="triangle">
+              <a:avLst/>
+            </a:prstGeom>
+            <a:solidFill>
+              <a:srgbClr val="234E60"/>
+            </a:solidFill>
+            <a:ln>
+              <a:noFill/>
+            </a:ln>
+          </p:spPr>
+          <p:style>
+            <a:lnRef idx="2">
+              <a:schemeClr val="accent1">
+                <a:shade val="50000"/>
+              </a:schemeClr>
+            </a:lnRef>
+            <a:fillRef idx="1">
+              <a:schemeClr val="accent1"/>
+            </a:fillRef>
+            <a:effectRef idx="0">
+              <a:schemeClr val="accent1"/>
+            </a:effectRef>
+            <a:fontRef idx="minor">
+              <a:schemeClr val="lt1"/>
+            </a:fontRef>
+          </p:style>
+          <p:txBody>
+            <a:bodyPr rot="0" spcFirstLastPara="0" vertOverflow="overflow" horzOverflow="overflow" vert="horz" wrap="square" lIns="91440" tIns="45720" rIns="91440" bIns="45720" numCol="1" spcCol="0" rtlCol="0" fromWordArt="0" anchor="ctr" anchorCtr="0" forceAA="0" compatLnSpc="1">
+              <a:prstTxWarp prst="textNoShape">
+                <a:avLst/>
+              </a:prstTxWarp>
+              <a:noAutofit/>
+            </a:bodyPr>
+            <a:lstStyle/>
+            <a:p>
+              <a:pPr algn="ctr"/>
+              <a:endParaRPr lang="ko-KR" altLang="en-US"/>
+            </a:p>
+          </p:txBody>
+        </p:sp>
+        <p:sp>
+          <p:nvSpPr>
+            <p:cNvPr id="38" name="이등변 삼각형 37">
+              <a:extLst>
+                <a:ext uri="{FF2B5EF4-FFF2-40B4-BE49-F238E27FC236}">
+                  <a16:creationId xmlns:a16="http://schemas.microsoft.com/office/drawing/2014/main" id="{3874936F-8A93-44F1-8113-3ABBF23084B0}"/>
+                </a:ext>
+              </a:extLst>
+            </p:cNvPr>
+            <p:cNvSpPr/>
+            <p:nvPr/>
+          </p:nvSpPr>
+          <p:spPr>
+            <a:xfrm>
+              <a:off x="3487672" y="-158979"/>
+              <a:ext cx="1343521" cy="581360"/>
+            </a:xfrm>
+            <a:prstGeom prst="triangle">
+              <a:avLst/>
+            </a:prstGeom>
+            <a:solidFill>
+              <a:srgbClr val="234E60"/>
+            </a:solidFill>
+            <a:ln>
+              <a:noFill/>
+            </a:ln>
+          </p:spPr>
+          <p:style>
+            <a:lnRef idx="2">
+              <a:schemeClr val="accent1">
+                <a:shade val="50000"/>
+              </a:schemeClr>
+            </a:lnRef>
+            <a:fillRef idx="1">
+              <a:schemeClr val="accent1"/>
+            </a:fillRef>
+            <a:effectRef idx="0">
+              <a:schemeClr val="accent1"/>
+            </a:effectRef>
+            <a:fontRef idx="minor">
+              <a:schemeClr val="lt1"/>
+            </a:fontRef>
+          </p:style>
+          <p:txBody>
+            <a:bodyPr rot="0" spcFirstLastPara="0" vertOverflow="overflow" horzOverflow="overflow" vert="horz" wrap="square" lIns="91440" tIns="45720" rIns="91440" bIns="45720" numCol="1" spcCol="0" rtlCol="0" fromWordArt="0" anchor="ctr" anchorCtr="0" forceAA="0" compatLnSpc="1">
+              <a:prstTxWarp prst="textNoShape">
+                <a:avLst/>
+              </a:prstTxWarp>
+              <a:noAutofit/>
+            </a:bodyPr>
+            <a:lstStyle/>
+            <a:p>
+              <a:pPr algn="ctr"/>
+              <a:endParaRPr lang="ko-KR" altLang="en-US"/>
+            </a:p>
+          </p:txBody>
+        </p:sp>
+        <p:sp>
+          <p:nvSpPr>
+            <p:cNvPr id="39" name="이등변 삼각형 38">
+              <a:extLst>
+                <a:ext uri="{FF2B5EF4-FFF2-40B4-BE49-F238E27FC236}">
+                  <a16:creationId xmlns:a16="http://schemas.microsoft.com/office/drawing/2014/main" id="{D5F82A79-C64E-4069-9200-949DFEDA3DE7}"/>
+                </a:ext>
+              </a:extLst>
+            </p:cNvPr>
+            <p:cNvSpPr/>
+            <p:nvPr/>
+          </p:nvSpPr>
+          <p:spPr>
+            <a:xfrm>
+              <a:off x="4188821" y="375083"/>
+              <a:ext cx="1343521" cy="581360"/>
+            </a:xfrm>
+            <a:prstGeom prst="triangle">
+              <a:avLst/>
+            </a:prstGeom>
+            <a:solidFill>
+              <a:srgbClr val="234E60"/>
+            </a:solidFill>
+            <a:ln>
+              <a:noFill/>
+            </a:ln>
+          </p:spPr>
+          <p:style>
+            <a:lnRef idx="2">
+              <a:schemeClr val="accent1">
+                <a:shade val="50000"/>
+              </a:schemeClr>
+            </a:lnRef>
+            <a:fillRef idx="1">
+              <a:schemeClr val="accent1"/>
+            </a:fillRef>
+            <a:effectRef idx="0">
+              <a:schemeClr val="accent1"/>
+            </a:effectRef>
+            <a:fontRef idx="minor">
+              <a:schemeClr val="lt1"/>
+            </a:fontRef>
+          </p:style>
+          <p:txBody>
+            <a:bodyPr rot="0" spcFirstLastPara="0" vertOverflow="overflow" horzOverflow="overflow" vert="horz" wrap="square" lIns="91440" tIns="45720" rIns="91440" bIns="45720" numCol="1" spcCol="0" rtlCol="0" fromWordArt="0" anchor="ctr" anchorCtr="0" forceAA="0" compatLnSpc="1">
+              <a:prstTxWarp prst="textNoShape">
+                <a:avLst/>
+              </a:prstTxWarp>
+              <a:noAutofit/>
+            </a:bodyPr>
+            <a:lstStyle/>
+            <a:p>
+              <a:pPr algn="ctr"/>
+              <a:endParaRPr lang="ko-KR" altLang="en-US"/>
+            </a:p>
+          </p:txBody>
+        </p:sp>
+        <p:sp>
+          <p:nvSpPr>
+            <p:cNvPr id="37" name="이등변 삼각형 36">
+              <a:extLst>
+                <a:ext uri="{FF2B5EF4-FFF2-40B4-BE49-F238E27FC236}">
+                  <a16:creationId xmlns:a16="http://schemas.microsoft.com/office/drawing/2014/main" id="{BDE81C14-C47B-49E5-A9BD-B7ABF3891D1A}"/>
+                </a:ext>
+              </a:extLst>
+            </p:cNvPr>
+            <p:cNvSpPr/>
+            <p:nvPr/>
+          </p:nvSpPr>
+          <p:spPr>
+            <a:xfrm>
+              <a:off x="4217068" y="366197"/>
+              <a:ext cx="815051" cy="352684"/>
+            </a:xfrm>
+            <a:prstGeom prst="triangle">
+              <a:avLst/>
+            </a:prstGeom>
+            <a:solidFill>
+              <a:srgbClr val="316E87"/>
+            </a:solidFill>
+            <a:ln>
+              <a:noFill/>
+            </a:ln>
+          </p:spPr>
+          <p:style>
+            <a:lnRef idx="2">
+              <a:schemeClr val="accent1">
+                <a:shade val="50000"/>
+              </a:schemeClr>
+            </a:lnRef>
+            <a:fillRef idx="1">
+              <a:schemeClr val="accent1"/>
+            </a:fillRef>
+            <a:effectRef idx="0">
+              <a:schemeClr val="accent1"/>
+            </a:effectRef>
+            <a:fontRef idx="minor">
+              <a:schemeClr val="lt1"/>
+            </a:fontRef>
+          </p:style>
+          <p:txBody>
+            <a:bodyPr rot="0" spcFirstLastPara="0" vertOverflow="overflow" horzOverflow="overflow" vert="horz" wrap="square" lIns="91440" tIns="45720" rIns="91440" bIns="45720" numCol="1" spcCol="0" rtlCol="0" fromWordArt="0" anchor="ctr" anchorCtr="0" forceAA="0" compatLnSpc="1">
+              <a:prstTxWarp prst="textNoShape">
+                <a:avLst/>
+              </a:prstTxWarp>
+              <a:noAutofit/>
+            </a:bodyPr>
+            <a:lstStyle/>
+            <a:p>
+              <a:pPr algn="ctr"/>
+              <a:endParaRPr lang="ko-KR" altLang="en-US"/>
+            </a:p>
+          </p:txBody>
+        </p:sp>
+        <p:sp>
+          <p:nvSpPr>
+            <p:cNvPr id="40" name="이등변 삼각형 39">
+              <a:extLst>
+                <a:ext uri="{FF2B5EF4-FFF2-40B4-BE49-F238E27FC236}">
+                  <a16:creationId xmlns:a16="http://schemas.microsoft.com/office/drawing/2014/main" id="{E534C5A8-CF71-4939-8EEC-B836CE52F03A}"/>
+                </a:ext>
+              </a:extLst>
+            </p:cNvPr>
+            <p:cNvSpPr/>
+            <p:nvPr/>
+          </p:nvSpPr>
+          <p:spPr>
+            <a:xfrm>
+              <a:off x="4468311" y="1716334"/>
+              <a:ext cx="1343521" cy="581360"/>
+            </a:xfrm>
+            <a:prstGeom prst="triangle">
+              <a:avLst/>
+            </a:prstGeom>
+            <a:solidFill>
+              <a:srgbClr val="234E60"/>
+            </a:solidFill>
+            <a:ln>
+              <a:noFill/>
+            </a:ln>
+          </p:spPr>
+          <p:style>
+            <a:lnRef idx="2">
+              <a:schemeClr val="accent1">
+                <a:shade val="50000"/>
+              </a:schemeClr>
+            </a:lnRef>
+            <a:fillRef idx="1">
+              <a:schemeClr val="accent1"/>
+            </a:fillRef>
+            <a:effectRef idx="0">
+              <a:schemeClr val="accent1"/>
+            </a:effectRef>
+            <a:fontRef idx="minor">
+              <a:schemeClr val="lt1"/>
+            </a:fontRef>
+          </p:style>
+          <p:txBody>
+            <a:bodyPr rot="0" spcFirstLastPara="0" vertOverflow="overflow" horzOverflow="overflow" vert="horz" wrap="square" lIns="91440" tIns="45720" rIns="91440" bIns="45720" numCol="1" spcCol="0" rtlCol="0" fromWordArt="0" anchor="ctr" anchorCtr="0" forceAA="0" compatLnSpc="1">
+              <a:prstTxWarp prst="textNoShape">
+                <a:avLst/>
+              </a:prstTxWarp>
+              <a:noAutofit/>
+            </a:bodyPr>
+            <a:lstStyle/>
+            <a:p>
+              <a:pPr algn="ctr"/>
+              <a:endParaRPr lang="ko-KR" altLang="en-US"/>
+            </a:p>
+          </p:txBody>
+        </p:sp>
+        <p:sp>
+          <p:nvSpPr>
+            <p:cNvPr id="41" name="이등변 삼각형 40">
+              <a:extLst>
+                <a:ext uri="{FF2B5EF4-FFF2-40B4-BE49-F238E27FC236}">
+                  <a16:creationId xmlns:a16="http://schemas.microsoft.com/office/drawing/2014/main" id="{C1EDA5C1-F84C-4DA4-8882-8B7829D57545}"/>
+                </a:ext>
+              </a:extLst>
+            </p:cNvPr>
+            <p:cNvSpPr/>
+            <p:nvPr/>
+          </p:nvSpPr>
+          <p:spPr>
+            <a:xfrm>
+              <a:off x="3631470" y="802660"/>
+              <a:ext cx="1343521" cy="581360"/>
+            </a:xfrm>
+            <a:prstGeom prst="triangle">
+              <a:avLst/>
+            </a:prstGeom>
+            <a:solidFill>
+              <a:srgbClr val="234E60"/>
+            </a:solidFill>
+            <a:ln>
+              <a:noFill/>
+            </a:ln>
+          </p:spPr>
+          <p:style>
+            <a:lnRef idx="2">
+              <a:schemeClr val="accent1">
+                <a:shade val="50000"/>
+              </a:schemeClr>
+            </a:lnRef>
+            <a:fillRef idx="1">
+              <a:schemeClr val="accent1"/>
+            </a:fillRef>
+            <a:effectRef idx="0">
+              <a:schemeClr val="accent1"/>
+            </a:effectRef>
+            <a:fontRef idx="minor">
+              <a:schemeClr val="lt1"/>
+            </a:fontRef>
+          </p:style>
+          <p:txBody>
+            <a:bodyPr rot="0" spcFirstLastPara="0" vertOverflow="overflow" horzOverflow="overflow" vert="horz" wrap="square" lIns="91440" tIns="45720" rIns="91440" bIns="45720" numCol="1" spcCol="0" rtlCol="0" fromWordArt="0" anchor="ctr" anchorCtr="0" forceAA="0" compatLnSpc="1">
+              <a:prstTxWarp prst="textNoShape">
+                <a:avLst/>
+              </a:prstTxWarp>
+              <a:noAutofit/>
+            </a:bodyPr>
+            <a:lstStyle/>
+            <a:p>
+              <a:pPr algn="ctr"/>
+              <a:endParaRPr lang="ko-KR" altLang="en-US"/>
+            </a:p>
+          </p:txBody>
+        </p:sp>
+        <p:sp>
+          <p:nvSpPr>
+            <p:cNvPr id="42" name="이등변 삼각형 41">
+              <a:extLst>
+                <a:ext uri="{FF2B5EF4-FFF2-40B4-BE49-F238E27FC236}">
+                  <a16:creationId xmlns:a16="http://schemas.microsoft.com/office/drawing/2014/main" id="{81701355-715B-4967-BDA0-19192E5F7012}"/>
+                </a:ext>
+              </a:extLst>
+            </p:cNvPr>
+            <p:cNvSpPr/>
+            <p:nvPr/>
+          </p:nvSpPr>
+          <p:spPr>
+            <a:xfrm>
+              <a:off x="4199189" y="1372636"/>
+              <a:ext cx="1343521" cy="581360"/>
+            </a:xfrm>
+            <a:prstGeom prst="triangle">
+              <a:avLst/>
+            </a:prstGeom>
+            <a:solidFill>
+              <a:srgbClr val="234E60"/>
+            </a:solidFill>
+            <a:ln>
+              <a:noFill/>
+            </a:ln>
+          </p:spPr>
+          <p:style>
+            <a:lnRef idx="2">
+              <a:schemeClr val="accent1">
+                <a:shade val="50000"/>
+              </a:schemeClr>
+            </a:lnRef>
+            <a:fillRef idx="1">
+              <a:schemeClr val="accent1"/>
+            </a:fillRef>
+            <a:effectRef idx="0">
+              <a:schemeClr val="accent1"/>
+            </a:effectRef>
+            <a:fontRef idx="minor">
+              <a:schemeClr val="lt1"/>
+            </a:fontRef>
+          </p:style>
+          <p:txBody>
+            <a:bodyPr rot="0" spcFirstLastPara="0" vertOverflow="overflow" horzOverflow="overflow" vert="horz" wrap="square" lIns="91440" tIns="45720" rIns="91440" bIns="45720" numCol="1" spcCol="0" rtlCol="0" fromWordArt="0" anchor="ctr" anchorCtr="0" forceAA="0" compatLnSpc="1">
+              <a:prstTxWarp prst="textNoShape">
+                <a:avLst/>
+              </a:prstTxWarp>
+              <a:noAutofit/>
+            </a:bodyPr>
+            <a:lstStyle/>
+            <a:p>
+              <a:pPr algn="ctr"/>
+              <a:endParaRPr lang="ko-KR" altLang="en-US"/>
+            </a:p>
+          </p:txBody>
+        </p:sp>
+        <p:sp>
+          <p:nvSpPr>
+            <p:cNvPr id="43" name="이등변 삼각형 42">
+              <a:extLst>
+                <a:ext uri="{FF2B5EF4-FFF2-40B4-BE49-F238E27FC236}">
+                  <a16:creationId xmlns:a16="http://schemas.microsoft.com/office/drawing/2014/main" id="{D44061EB-968B-476A-A204-1E49539FD835}"/>
+                </a:ext>
+              </a:extLst>
+            </p:cNvPr>
+            <p:cNvSpPr/>
+            <p:nvPr/>
+          </p:nvSpPr>
+          <p:spPr>
+            <a:xfrm>
+              <a:off x="3908842" y="-438927"/>
+              <a:ext cx="1195277" cy="517213"/>
+            </a:xfrm>
+            <a:prstGeom prst="triangle">
+              <a:avLst/>
+            </a:prstGeom>
+            <a:solidFill>
+              <a:srgbClr val="234E60"/>
+            </a:solidFill>
+            <a:ln>
+              <a:noFill/>
+            </a:ln>
+          </p:spPr>
+          <p:style>
+            <a:lnRef idx="2">
+              <a:schemeClr val="accent1">
+                <a:shade val="50000"/>
+              </a:schemeClr>
+            </a:lnRef>
+            <a:fillRef idx="1">
+              <a:schemeClr val="accent1"/>
+            </a:fillRef>
+            <a:effectRef idx="0">
+              <a:schemeClr val="accent1"/>
+            </a:effectRef>
+            <a:fontRef idx="minor">
+              <a:schemeClr val="lt1"/>
+            </a:fontRef>
+          </p:style>
+          <p:txBody>
+            <a:bodyPr rot="0" spcFirstLastPara="0" vertOverflow="overflow" horzOverflow="overflow" vert="horz" wrap="square" lIns="91440" tIns="45720" rIns="91440" bIns="45720" numCol="1" spcCol="0" rtlCol="0" fromWordArt="0" anchor="ctr" anchorCtr="0" forceAA="0" compatLnSpc="1">
+              <a:prstTxWarp prst="textNoShape">
+                <a:avLst/>
+              </a:prstTxWarp>
+              <a:noAutofit/>
+            </a:bodyPr>
+            <a:lstStyle/>
+            <a:p>
+              <a:pPr algn="ctr"/>
+              <a:endParaRPr lang="ko-KR" altLang="en-US"/>
+            </a:p>
+          </p:txBody>
+        </p:sp>
+        <p:sp>
+          <p:nvSpPr>
+            <p:cNvPr id="44" name="이등변 삼각형 43">
+              <a:extLst>
+                <a:ext uri="{FF2B5EF4-FFF2-40B4-BE49-F238E27FC236}">
+                  <a16:creationId xmlns:a16="http://schemas.microsoft.com/office/drawing/2014/main" id="{C14A787D-8888-4C2E-815B-56953BE6547C}"/>
+                </a:ext>
+              </a:extLst>
+            </p:cNvPr>
+            <p:cNvSpPr/>
+            <p:nvPr/>
+          </p:nvSpPr>
+          <p:spPr>
+            <a:xfrm>
+              <a:off x="3771759" y="155176"/>
+              <a:ext cx="1343521" cy="581360"/>
+            </a:xfrm>
+            <a:prstGeom prst="triangle">
+              <a:avLst/>
+            </a:prstGeom>
+            <a:solidFill>
+              <a:srgbClr val="234E60"/>
+            </a:solidFill>
+            <a:ln>
+              <a:noFill/>
+            </a:ln>
+          </p:spPr>
+          <p:style>
+            <a:lnRef idx="2">
+              <a:schemeClr val="accent1">
+                <a:shade val="50000"/>
+              </a:schemeClr>
+            </a:lnRef>
+            <a:fillRef idx="1">
+              <a:schemeClr val="accent1"/>
+            </a:fillRef>
+            <a:effectRef idx="0">
+              <a:schemeClr val="accent1"/>
+            </a:effectRef>
+            <a:fontRef idx="minor">
+              <a:schemeClr val="lt1"/>
+            </a:fontRef>
+          </p:style>
+          <p:txBody>
+            <a:bodyPr rot="0" spcFirstLastPara="0" vertOverflow="overflow" horzOverflow="overflow" vert="horz" wrap="square" lIns="91440" tIns="45720" rIns="91440" bIns="45720" numCol="1" spcCol="0" rtlCol="0" fromWordArt="0" anchor="ctr" anchorCtr="0" forceAA="0" compatLnSpc="1">
+              <a:prstTxWarp prst="textNoShape">
+                <a:avLst/>
+              </a:prstTxWarp>
+              <a:noAutofit/>
+            </a:bodyPr>
+            <a:lstStyle/>
+            <a:p>
+              <a:pPr algn="ctr"/>
+              <a:endParaRPr lang="ko-KR" altLang="en-US"/>
+            </a:p>
+          </p:txBody>
+        </p:sp>
+        <p:sp>
+          <p:nvSpPr>
+            <p:cNvPr id="45" name="이등변 삼각형 44">
+              <a:extLst>
+                <a:ext uri="{FF2B5EF4-FFF2-40B4-BE49-F238E27FC236}">
+                  <a16:creationId xmlns:a16="http://schemas.microsoft.com/office/drawing/2014/main" id="{FB1C25D3-A7A5-4452-A610-ECB605746347}"/>
+                </a:ext>
+              </a:extLst>
+            </p:cNvPr>
+            <p:cNvSpPr/>
+            <p:nvPr/>
+          </p:nvSpPr>
+          <p:spPr>
+            <a:xfrm>
+              <a:off x="3691430" y="66074"/>
+              <a:ext cx="815051" cy="352684"/>
+            </a:xfrm>
+            <a:prstGeom prst="triangle">
+              <a:avLst/>
+            </a:prstGeom>
+            <a:solidFill>
+              <a:srgbClr val="316E87"/>
+            </a:solidFill>
+            <a:ln>
+              <a:noFill/>
+            </a:ln>
+          </p:spPr>
+          <p:style>
+            <a:lnRef idx="2">
+              <a:schemeClr val="accent1">
+                <a:shade val="50000"/>
+              </a:schemeClr>
+            </a:lnRef>
+            <a:fillRef idx="1">
+              <a:schemeClr val="accent1"/>
+            </a:fillRef>
+            <a:effectRef idx="0">
+              <a:schemeClr val="accent1"/>
+            </a:effectRef>
+            <a:fontRef idx="minor">
+              <a:schemeClr val="lt1"/>
+            </a:fontRef>
+          </p:style>
+          <p:txBody>
+            <a:bodyPr rot="0" spcFirstLastPara="0" vertOverflow="overflow" horzOverflow="overflow" vert="horz" wrap="square" lIns="91440" tIns="45720" rIns="91440" bIns="45720" numCol="1" spcCol="0" rtlCol="0" fromWordArt="0" anchor="ctr" anchorCtr="0" forceAA="0" compatLnSpc="1">
+              <a:prstTxWarp prst="textNoShape">
+                <a:avLst/>
+              </a:prstTxWarp>
+              <a:noAutofit/>
+            </a:bodyPr>
+            <a:lstStyle/>
+            <a:p>
+              <a:pPr algn="ctr"/>
+              <a:endParaRPr lang="ko-KR" altLang="en-US"/>
+            </a:p>
+          </p:txBody>
+        </p:sp>
+        <p:sp>
+          <p:nvSpPr>
+            <p:cNvPr id="46" name="이등변 삼각형 45">
+              <a:extLst>
+                <a:ext uri="{FF2B5EF4-FFF2-40B4-BE49-F238E27FC236}">
+                  <a16:creationId xmlns:a16="http://schemas.microsoft.com/office/drawing/2014/main" id="{71857B4F-9D52-4FF6-88AD-4CD329675D2D}"/>
+                </a:ext>
+              </a:extLst>
+            </p:cNvPr>
+            <p:cNvSpPr/>
+            <p:nvPr/>
+          </p:nvSpPr>
+          <p:spPr>
+            <a:xfrm>
+              <a:off x="4293325" y="554317"/>
+              <a:ext cx="1343521" cy="581360"/>
+            </a:xfrm>
+            <a:prstGeom prst="triangle">
+              <a:avLst/>
+            </a:prstGeom>
+            <a:solidFill>
+              <a:srgbClr val="234E60"/>
+            </a:solidFill>
+            <a:ln>
+              <a:noFill/>
+            </a:ln>
+          </p:spPr>
+          <p:style>
+            <a:lnRef idx="2">
+              <a:schemeClr val="accent1">
+                <a:shade val="50000"/>
+              </a:schemeClr>
+            </a:lnRef>
+            <a:fillRef idx="1">
+              <a:schemeClr val="accent1"/>
+            </a:fillRef>
+            <a:effectRef idx="0">
+              <a:schemeClr val="accent1"/>
+            </a:effectRef>
+            <a:fontRef idx="minor">
+              <a:schemeClr val="lt1"/>
+            </a:fontRef>
+          </p:style>
+          <p:txBody>
+            <a:bodyPr rot="0" spcFirstLastPara="0" vertOverflow="overflow" horzOverflow="overflow" vert="horz" wrap="square" lIns="91440" tIns="45720" rIns="91440" bIns="45720" numCol="1" spcCol="0" rtlCol="0" fromWordArt="0" anchor="ctr" anchorCtr="0" forceAA="0" compatLnSpc="1">
+              <a:prstTxWarp prst="textNoShape">
+                <a:avLst/>
+              </a:prstTxWarp>
+              <a:noAutofit/>
+            </a:bodyPr>
+            <a:lstStyle/>
+            <a:p>
+              <a:pPr algn="ctr"/>
+              <a:endParaRPr lang="ko-KR" altLang="en-US"/>
+            </a:p>
+          </p:txBody>
+        </p:sp>
+        <p:sp>
+          <p:nvSpPr>
+            <p:cNvPr id="47" name="이등변 삼각형 46">
+              <a:extLst>
+                <a:ext uri="{FF2B5EF4-FFF2-40B4-BE49-F238E27FC236}">
+                  <a16:creationId xmlns:a16="http://schemas.microsoft.com/office/drawing/2014/main" id="{CEE0EA41-E2A1-4F7A-9F03-92BB3064E151}"/>
+                </a:ext>
+              </a:extLst>
+            </p:cNvPr>
+            <p:cNvSpPr/>
+            <p:nvPr/>
+          </p:nvSpPr>
+          <p:spPr>
+            <a:xfrm>
+              <a:off x="4225314" y="1001028"/>
+              <a:ext cx="1343521" cy="581360"/>
+            </a:xfrm>
+            <a:prstGeom prst="triangle">
+              <a:avLst/>
+            </a:prstGeom>
+            <a:solidFill>
+              <a:srgbClr val="234E60"/>
+            </a:solidFill>
+            <a:ln>
+              <a:noFill/>
+            </a:ln>
+          </p:spPr>
+          <p:style>
+            <a:lnRef idx="2">
+              <a:schemeClr val="accent1">
+                <a:shade val="50000"/>
+              </a:schemeClr>
+            </a:lnRef>
+            <a:fillRef idx="1">
+              <a:schemeClr val="accent1"/>
+            </a:fillRef>
+            <a:effectRef idx="0">
+              <a:schemeClr val="accent1"/>
+            </a:effectRef>
+            <a:fontRef idx="minor">
+              <a:schemeClr val="lt1"/>
+            </a:fontRef>
+          </p:style>
+          <p:txBody>
+            <a:bodyPr rot="0" spcFirstLastPara="0" vertOverflow="overflow" horzOverflow="overflow" vert="horz" wrap="square" lIns="91440" tIns="45720" rIns="91440" bIns="45720" numCol="1" spcCol="0" rtlCol="0" fromWordArt="0" anchor="ctr" anchorCtr="0" forceAA="0" compatLnSpc="1">
+              <a:prstTxWarp prst="textNoShape">
+                <a:avLst/>
+              </a:prstTxWarp>
+              <a:noAutofit/>
+            </a:bodyPr>
+            <a:lstStyle/>
+            <a:p>
+              <a:pPr algn="ctr"/>
+              <a:endParaRPr lang="ko-KR" altLang="en-US"/>
+            </a:p>
+          </p:txBody>
+        </p:sp>
+        <p:sp>
+          <p:nvSpPr>
+            <p:cNvPr id="35" name="이등변 삼각형 34">
+              <a:extLst>
+                <a:ext uri="{FF2B5EF4-FFF2-40B4-BE49-F238E27FC236}">
+                  <a16:creationId xmlns:a16="http://schemas.microsoft.com/office/drawing/2014/main" id="{95754F01-F950-4ADD-9D67-FA24886311F9}"/>
+                </a:ext>
+              </a:extLst>
+            </p:cNvPr>
+            <p:cNvSpPr/>
+            <p:nvPr/>
+          </p:nvSpPr>
+          <p:spPr>
+            <a:xfrm>
+              <a:off x="3881616" y="519975"/>
+              <a:ext cx="687979" cy="297698"/>
+            </a:xfrm>
+            <a:prstGeom prst="triangle">
+              <a:avLst/>
+            </a:prstGeom>
+            <a:solidFill>
+              <a:srgbClr val="316E87"/>
+            </a:solidFill>
+            <a:ln>
+              <a:noFill/>
+            </a:ln>
+          </p:spPr>
+          <p:style>
+            <a:lnRef idx="2">
+              <a:schemeClr val="accent1">
+                <a:shade val="50000"/>
+              </a:schemeClr>
+            </a:lnRef>
+            <a:fillRef idx="1">
+              <a:schemeClr val="accent1"/>
+            </a:fillRef>
+            <a:effectRef idx="0">
+              <a:schemeClr val="accent1"/>
+            </a:effectRef>
+            <a:fontRef idx="minor">
+              <a:schemeClr val="lt1"/>
+            </a:fontRef>
+          </p:style>
+          <p:txBody>
+            <a:bodyPr rot="0" spcFirstLastPara="0" vertOverflow="overflow" horzOverflow="overflow" vert="horz" wrap="square" lIns="91440" tIns="45720" rIns="91440" bIns="45720" numCol="1" spcCol="0" rtlCol="0" fromWordArt="0" anchor="ctr" anchorCtr="0" forceAA="0" compatLnSpc="1">
+              <a:prstTxWarp prst="textNoShape">
+                <a:avLst/>
+              </a:prstTxWarp>
+              <a:noAutofit/>
+            </a:bodyPr>
+            <a:lstStyle/>
+            <a:p>
+              <a:pPr algn="ctr"/>
+              <a:endParaRPr lang="ko-KR" altLang="en-US"/>
+            </a:p>
+          </p:txBody>
+        </p:sp>
+        <p:sp>
+          <p:nvSpPr>
+            <p:cNvPr id="36" name="이등변 삼각형 35">
+              <a:extLst>
+                <a:ext uri="{FF2B5EF4-FFF2-40B4-BE49-F238E27FC236}">
+                  <a16:creationId xmlns:a16="http://schemas.microsoft.com/office/drawing/2014/main" id="{0B69F825-34F6-4586-AFD2-B03E31B22178}"/>
+                </a:ext>
+              </a:extLst>
+            </p:cNvPr>
+            <p:cNvSpPr/>
+            <p:nvPr/>
+          </p:nvSpPr>
+          <p:spPr>
+            <a:xfrm>
+              <a:off x="4237119" y="756337"/>
+              <a:ext cx="815051" cy="352684"/>
+            </a:xfrm>
+            <a:prstGeom prst="triangle">
+              <a:avLst/>
+            </a:prstGeom>
+            <a:solidFill>
+              <a:srgbClr val="316E87"/>
+            </a:solidFill>
+            <a:ln>
+              <a:noFill/>
+            </a:ln>
+          </p:spPr>
+          <p:style>
+            <a:lnRef idx="2">
+              <a:schemeClr val="accent1">
+                <a:shade val="50000"/>
+              </a:schemeClr>
+            </a:lnRef>
+            <a:fillRef idx="1">
+              <a:schemeClr val="accent1"/>
+            </a:fillRef>
+            <a:effectRef idx="0">
+              <a:schemeClr val="accent1"/>
+            </a:effectRef>
+            <a:fontRef idx="minor">
+              <a:schemeClr val="lt1"/>
+            </a:fontRef>
+          </p:style>
+          <p:txBody>
+            <a:bodyPr rot="0" spcFirstLastPara="0" vertOverflow="overflow" horzOverflow="overflow" vert="horz" wrap="square" lIns="91440" tIns="45720" rIns="91440" bIns="45720" numCol="1" spcCol="0" rtlCol="0" fromWordArt="0" anchor="ctr" anchorCtr="0" forceAA="0" compatLnSpc="1">
+              <a:prstTxWarp prst="textNoShape">
+                <a:avLst/>
+              </a:prstTxWarp>
+              <a:noAutofit/>
+            </a:bodyPr>
+            <a:lstStyle/>
+            <a:p>
+              <a:pPr algn="ctr"/>
+              <a:endParaRPr lang="ko-KR" altLang="en-US"/>
+            </a:p>
+          </p:txBody>
+        </p:sp>
+        <p:sp>
+          <p:nvSpPr>
+            <p:cNvPr id="48" name="이등변 삼각형 47">
+              <a:extLst>
+                <a:ext uri="{FF2B5EF4-FFF2-40B4-BE49-F238E27FC236}">
+                  <a16:creationId xmlns:a16="http://schemas.microsoft.com/office/drawing/2014/main" id="{7DC56B70-4185-44D4-9E3D-1C8D7FE2E2BA}"/>
+                </a:ext>
+              </a:extLst>
+            </p:cNvPr>
+            <p:cNvSpPr/>
+            <p:nvPr/>
+          </p:nvSpPr>
+          <p:spPr>
+            <a:xfrm>
+              <a:off x="4661212" y="2163586"/>
+              <a:ext cx="634726" cy="274655"/>
+            </a:xfrm>
+            <a:prstGeom prst="triangle">
+              <a:avLst/>
+            </a:prstGeom>
+            <a:solidFill>
+              <a:srgbClr val="316E87"/>
+            </a:solidFill>
+            <a:ln>
+              <a:noFill/>
+            </a:ln>
+          </p:spPr>
+          <p:style>
+            <a:lnRef idx="2">
+              <a:schemeClr val="accent1">
+                <a:shade val="50000"/>
+              </a:schemeClr>
+            </a:lnRef>
+            <a:fillRef idx="1">
+              <a:schemeClr val="accent1"/>
+            </a:fillRef>
+            <a:effectRef idx="0">
+              <a:schemeClr val="accent1"/>
+            </a:effectRef>
+            <a:fontRef idx="minor">
+              <a:schemeClr val="lt1"/>
+            </a:fontRef>
+          </p:style>
+          <p:txBody>
+            <a:bodyPr rot="0" spcFirstLastPara="0" vertOverflow="overflow" horzOverflow="overflow" vert="horz" wrap="square" lIns="91440" tIns="45720" rIns="91440" bIns="45720" numCol="1" spcCol="0" rtlCol="0" fromWordArt="0" anchor="ctr" anchorCtr="0" forceAA="0" compatLnSpc="1">
+              <a:prstTxWarp prst="textNoShape">
+                <a:avLst/>
+              </a:prstTxWarp>
+              <a:noAutofit/>
+            </a:bodyPr>
+            <a:lstStyle/>
+            <a:p>
+              <a:pPr algn="ctr"/>
+              <a:endParaRPr lang="ko-KR" altLang="en-US"/>
+            </a:p>
+          </p:txBody>
+        </p:sp>
+        <p:sp>
+          <p:nvSpPr>
+            <p:cNvPr id="50" name="이등변 삼각형 49">
+              <a:extLst>
+                <a:ext uri="{FF2B5EF4-FFF2-40B4-BE49-F238E27FC236}">
+                  <a16:creationId xmlns:a16="http://schemas.microsoft.com/office/drawing/2014/main" id="{9EA68BA7-4123-482F-9C00-3B219F81C73F}"/>
+                </a:ext>
+              </a:extLst>
+            </p:cNvPr>
+            <p:cNvSpPr/>
+            <p:nvPr/>
+          </p:nvSpPr>
+          <p:spPr>
+            <a:xfrm>
+              <a:off x="4150948" y="1458585"/>
+              <a:ext cx="499430" cy="216110"/>
+            </a:xfrm>
+            <a:prstGeom prst="triangle">
+              <a:avLst/>
+            </a:prstGeom>
+            <a:solidFill>
+              <a:srgbClr val="316E87"/>
+            </a:solidFill>
+            <a:ln>
+              <a:noFill/>
+            </a:ln>
+          </p:spPr>
+          <p:style>
+            <a:lnRef idx="2">
+              <a:schemeClr val="accent1">
+                <a:shade val="50000"/>
+              </a:schemeClr>
+            </a:lnRef>
+            <a:fillRef idx="1">
+              <a:schemeClr val="accent1"/>
+            </a:fillRef>
+            <a:effectRef idx="0">
+              <a:schemeClr val="accent1"/>
+            </a:effectRef>
+            <a:fontRef idx="minor">
+              <a:schemeClr val="lt1"/>
+            </a:fontRef>
+          </p:style>
+          <p:txBody>
+            <a:bodyPr rot="0" spcFirstLastPara="0" vertOverflow="overflow" horzOverflow="overflow" vert="horz" wrap="square" lIns="91440" tIns="45720" rIns="91440" bIns="45720" numCol="1" spcCol="0" rtlCol="0" fromWordArt="0" anchor="ctr" anchorCtr="0" forceAA="0" compatLnSpc="1">
+              <a:prstTxWarp prst="textNoShape">
+                <a:avLst/>
+              </a:prstTxWarp>
+              <a:noAutofit/>
+            </a:bodyPr>
+            <a:lstStyle/>
+            <a:p>
+              <a:pPr algn="ctr"/>
+              <a:endParaRPr lang="ko-KR" altLang="en-US"/>
+            </a:p>
+          </p:txBody>
+        </p:sp>
+        <p:sp>
+          <p:nvSpPr>
+            <p:cNvPr id="51" name="이등변 삼각형 50">
+              <a:extLst>
+                <a:ext uri="{FF2B5EF4-FFF2-40B4-BE49-F238E27FC236}">
+                  <a16:creationId xmlns:a16="http://schemas.microsoft.com/office/drawing/2014/main" id="{F1144950-E7E7-421B-A8D8-ACAFC007AA18}"/>
+                </a:ext>
+              </a:extLst>
+            </p:cNvPr>
+            <p:cNvSpPr/>
+            <p:nvPr/>
+          </p:nvSpPr>
+          <p:spPr>
+            <a:xfrm>
+              <a:off x="3155655" y="-595460"/>
+              <a:ext cx="1343521" cy="581360"/>
+            </a:xfrm>
+            <a:prstGeom prst="triangle">
+              <a:avLst/>
+            </a:prstGeom>
+            <a:solidFill>
+              <a:srgbClr val="234E60"/>
+            </a:solidFill>
+            <a:ln>
+              <a:noFill/>
+            </a:ln>
+          </p:spPr>
+          <p:style>
+            <a:lnRef idx="2">
+              <a:schemeClr val="accent1">
+                <a:shade val="50000"/>
+              </a:schemeClr>
+            </a:lnRef>
+            <a:fillRef idx="1">
+              <a:schemeClr val="accent1"/>
+            </a:fillRef>
+            <a:effectRef idx="0">
+              <a:schemeClr val="accent1"/>
+            </a:effectRef>
+            <a:fontRef idx="minor">
+              <a:schemeClr val="lt1"/>
+            </a:fontRef>
+          </p:style>
+          <p:txBody>
+            <a:bodyPr rot="0" spcFirstLastPara="0" vertOverflow="overflow" horzOverflow="overflow" vert="horz" wrap="square" lIns="91440" tIns="45720" rIns="91440" bIns="45720" numCol="1" spcCol="0" rtlCol="0" fromWordArt="0" anchor="ctr" anchorCtr="0" forceAA="0" compatLnSpc="1">
+              <a:prstTxWarp prst="textNoShape">
+                <a:avLst/>
+              </a:prstTxWarp>
+              <a:noAutofit/>
+            </a:bodyPr>
+            <a:lstStyle/>
+            <a:p>
+              <a:pPr algn="ctr"/>
+              <a:endParaRPr lang="ko-KR" altLang="en-US"/>
+            </a:p>
+          </p:txBody>
+        </p:sp>
+        <p:sp>
+          <p:nvSpPr>
+            <p:cNvPr id="52" name="이등변 삼각형 51">
+              <a:extLst>
+                <a:ext uri="{FF2B5EF4-FFF2-40B4-BE49-F238E27FC236}">
+                  <a16:creationId xmlns:a16="http://schemas.microsoft.com/office/drawing/2014/main" id="{7B312ED1-C081-4B7A-8BB1-FC5ED4DF1A10}"/>
+                </a:ext>
+              </a:extLst>
+            </p:cNvPr>
+            <p:cNvSpPr/>
+            <p:nvPr/>
+          </p:nvSpPr>
+          <p:spPr>
+            <a:xfrm>
+              <a:off x="3691430" y="-959126"/>
+              <a:ext cx="1343521" cy="581360"/>
+            </a:xfrm>
+            <a:prstGeom prst="triangle">
+              <a:avLst/>
+            </a:prstGeom>
+            <a:solidFill>
+              <a:srgbClr val="234E60"/>
+            </a:solidFill>
+            <a:ln>
+              <a:noFill/>
+            </a:ln>
+          </p:spPr>
+          <p:style>
+            <a:lnRef idx="2">
+              <a:schemeClr val="accent1">
+                <a:shade val="50000"/>
+              </a:schemeClr>
+            </a:lnRef>
+            <a:fillRef idx="1">
+              <a:schemeClr val="accent1"/>
+            </a:fillRef>
+            <a:effectRef idx="0">
+              <a:schemeClr val="accent1"/>
+            </a:effectRef>
+            <a:fontRef idx="minor">
+              <a:schemeClr val="lt1"/>
+            </a:fontRef>
+          </p:style>
+          <p:txBody>
+            <a:bodyPr rot="0" spcFirstLastPara="0" vertOverflow="overflow" horzOverflow="overflow" vert="horz" wrap="square" lIns="91440" tIns="45720" rIns="91440" bIns="45720" numCol="1" spcCol="0" rtlCol="0" fromWordArt="0" anchor="ctr" anchorCtr="0" forceAA="0" compatLnSpc="1">
+              <a:prstTxWarp prst="textNoShape">
+                <a:avLst/>
+              </a:prstTxWarp>
+              <a:noAutofit/>
+            </a:bodyPr>
+            <a:lstStyle/>
+            <a:p>
+              <a:pPr algn="ctr"/>
+              <a:endParaRPr lang="ko-KR" altLang="en-US"/>
+            </a:p>
+          </p:txBody>
+        </p:sp>
+        <p:sp>
+          <p:nvSpPr>
+            <p:cNvPr id="53" name="이등변 삼각형 52">
+              <a:extLst>
+                <a:ext uri="{FF2B5EF4-FFF2-40B4-BE49-F238E27FC236}">
+                  <a16:creationId xmlns:a16="http://schemas.microsoft.com/office/drawing/2014/main" id="{FA822B83-5B06-4F88-9286-4EDB76FDC87D}"/>
+                </a:ext>
+              </a:extLst>
+            </p:cNvPr>
+            <p:cNvSpPr/>
+            <p:nvPr/>
+          </p:nvSpPr>
+          <p:spPr>
+            <a:xfrm>
+              <a:off x="3688598" y="-2030614"/>
+              <a:ext cx="1343521" cy="581360"/>
+            </a:xfrm>
+            <a:prstGeom prst="triangle">
+              <a:avLst/>
+            </a:prstGeom>
+            <a:solidFill>
+              <a:srgbClr val="234E60"/>
+            </a:solidFill>
+            <a:ln>
+              <a:noFill/>
+            </a:ln>
+          </p:spPr>
+          <p:style>
+            <a:lnRef idx="2">
+              <a:schemeClr val="accent1">
+                <a:shade val="50000"/>
+              </a:schemeClr>
+            </a:lnRef>
+            <a:fillRef idx="1">
+              <a:schemeClr val="accent1"/>
+            </a:fillRef>
+            <a:effectRef idx="0">
+              <a:schemeClr val="accent1"/>
+            </a:effectRef>
+            <a:fontRef idx="minor">
+              <a:schemeClr val="lt1"/>
+            </a:fontRef>
+          </p:style>
+          <p:txBody>
+            <a:bodyPr rot="0" spcFirstLastPara="0" vertOverflow="overflow" horzOverflow="overflow" vert="horz" wrap="square" lIns="91440" tIns="45720" rIns="91440" bIns="45720" numCol="1" spcCol="0" rtlCol="0" fromWordArt="0" anchor="ctr" anchorCtr="0" forceAA="0" compatLnSpc="1">
+              <a:prstTxWarp prst="textNoShape">
+                <a:avLst/>
+              </a:prstTxWarp>
+              <a:noAutofit/>
+            </a:bodyPr>
+            <a:lstStyle/>
+            <a:p>
+              <a:pPr algn="ctr"/>
+              <a:endParaRPr lang="ko-KR" altLang="en-US"/>
+            </a:p>
+          </p:txBody>
+        </p:sp>
+        <p:sp>
+          <p:nvSpPr>
+            <p:cNvPr id="54" name="이등변 삼각형 53">
+              <a:extLst>
+                <a:ext uri="{FF2B5EF4-FFF2-40B4-BE49-F238E27FC236}">
+                  <a16:creationId xmlns:a16="http://schemas.microsoft.com/office/drawing/2014/main" id="{1DFABBD1-1655-481C-B49B-FD7EDE0E835A}"/>
+                </a:ext>
+              </a:extLst>
+            </p:cNvPr>
+            <p:cNvSpPr/>
+            <p:nvPr/>
+          </p:nvSpPr>
+          <p:spPr>
+            <a:xfrm>
+              <a:off x="3987298" y="-1366611"/>
+              <a:ext cx="1343521" cy="581360"/>
+            </a:xfrm>
+            <a:prstGeom prst="triangle">
+              <a:avLst/>
+            </a:prstGeom>
+            <a:solidFill>
+              <a:srgbClr val="234E60"/>
+            </a:solidFill>
+            <a:ln>
+              <a:noFill/>
+            </a:ln>
+          </p:spPr>
+          <p:style>
+            <a:lnRef idx="2">
+              <a:schemeClr val="accent1">
+                <a:shade val="50000"/>
+              </a:schemeClr>
+            </a:lnRef>
+            <a:fillRef idx="1">
+              <a:schemeClr val="accent1"/>
+            </a:fillRef>
+            <a:effectRef idx="0">
+              <a:schemeClr val="accent1"/>
+            </a:effectRef>
+            <a:fontRef idx="minor">
+              <a:schemeClr val="lt1"/>
+            </a:fontRef>
+          </p:style>
+          <p:txBody>
+            <a:bodyPr rot="0" spcFirstLastPara="0" vertOverflow="overflow" horzOverflow="overflow" vert="horz" wrap="square" lIns="91440" tIns="45720" rIns="91440" bIns="45720" numCol="1" spcCol="0" rtlCol="0" fromWordArt="0" anchor="ctr" anchorCtr="0" forceAA="0" compatLnSpc="1">
+              <a:prstTxWarp prst="textNoShape">
+                <a:avLst/>
+              </a:prstTxWarp>
+              <a:noAutofit/>
+            </a:bodyPr>
+            <a:lstStyle/>
+            <a:p>
+              <a:pPr algn="ctr"/>
+              <a:endParaRPr lang="ko-KR" altLang="en-US"/>
+            </a:p>
+          </p:txBody>
+        </p:sp>
+        <p:sp>
+          <p:nvSpPr>
+            <p:cNvPr id="55" name="이등변 삼각형 54">
+              <a:extLst>
+                <a:ext uri="{FF2B5EF4-FFF2-40B4-BE49-F238E27FC236}">
+                  <a16:creationId xmlns:a16="http://schemas.microsoft.com/office/drawing/2014/main" id="{F794A3F3-2B1B-401F-9383-EBA38A724BEF}"/>
+                </a:ext>
+              </a:extLst>
+            </p:cNvPr>
+            <p:cNvSpPr/>
+            <p:nvPr/>
+          </p:nvSpPr>
+          <p:spPr>
+            <a:xfrm>
+              <a:off x="4254296" y="-1816135"/>
+              <a:ext cx="1343521" cy="581360"/>
+            </a:xfrm>
+            <a:prstGeom prst="triangle">
+              <a:avLst/>
+            </a:prstGeom>
+            <a:solidFill>
+              <a:srgbClr val="234E60"/>
+            </a:solidFill>
+            <a:ln>
+              <a:noFill/>
+            </a:ln>
+          </p:spPr>
+          <p:style>
+            <a:lnRef idx="2">
+              <a:schemeClr val="accent1">
+                <a:shade val="50000"/>
+              </a:schemeClr>
+            </a:lnRef>
+            <a:fillRef idx="1">
+              <a:schemeClr val="accent1"/>
+            </a:fillRef>
+            <a:effectRef idx="0">
+              <a:schemeClr val="accent1"/>
+            </a:effectRef>
+            <a:fontRef idx="minor">
+              <a:schemeClr val="lt1"/>
+            </a:fontRef>
+          </p:style>
+          <p:txBody>
+            <a:bodyPr rot="0" spcFirstLastPara="0" vertOverflow="overflow" horzOverflow="overflow" vert="horz" wrap="square" lIns="91440" tIns="45720" rIns="91440" bIns="45720" numCol="1" spcCol="0" rtlCol="0" fromWordArt="0" anchor="ctr" anchorCtr="0" forceAA="0" compatLnSpc="1">
+              <a:prstTxWarp prst="textNoShape">
+                <a:avLst/>
+              </a:prstTxWarp>
+              <a:noAutofit/>
+            </a:bodyPr>
+            <a:lstStyle/>
+            <a:p>
+              <a:pPr algn="ctr"/>
+              <a:endParaRPr lang="ko-KR" altLang="en-US"/>
+            </a:p>
+          </p:txBody>
+        </p:sp>
+        <p:sp>
+          <p:nvSpPr>
+            <p:cNvPr id="56" name="이등변 삼각형 55">
+              <a:extLst>
+                <a:ext uri="{FF2B5EF4-FFF2-40B4-BE49-F238E27FC236}">
+                  <a16:creationId xmlns:a16="http://schemas.microsoft.com/office/drawing/2014/main" id="{25DF23FF-5DD4-4CBC-9425-79C8CBA988E0}"/>
+                </a:ext>
+              </a:extLst>
+            </p:cNvPr>
+            <p:cNvSpPr/>
+            <p:nvPr/>
+          </p:nvSpPr>
+          <p:spPr>
+            <a:xfrm>
+              <a:off x="3463472" y="-1612300"/>
+              <a:ext cx="1343521" cy="581360"/>
+            </a:xfrm>
+            <a:prstGeom prst="triangle">
+              <a:avLst/>
+            </a:prstGeom>
+            <a:solidFill>
+              <a:srgbClr val="234E60"/>
+            </a:solidFill>
+            <a:ln>
+              <a:noFill/>
+            </a:ln>
+          </p:spPr>
+          <p:style>
+            <a:lnRef idx="2">
+              <a:schemeClr val="accent1">
+                <a:shade val="50000"/>
+              </a:schemeClr>
+            </a:lnRef>
+            <a:fillRef idx="1">
+              <a:schemeClr val="accent1"/>
+            </a:fillRef>
+            <a:effectRef idx="0">
+              <a:schemeClr val="accent1"/>
+            </a:effectRef>
+            <a:fontRef idx="minor">
+              <a:schemeClr val="lt1"/>
+            </a:fontRef>
+          </p:style>
+          <p:txBody>
+            <a:bodyPr rot="0" spcFirstLastPara="0" vertOverflow="overflow" horzOverflow="overflow" vert="horz" wrap="square" lIns="91440" tIns="45720" rIns="91440" bIns="45720" numCol="1" spcCol="0" rtlCol="0" fromWordArt="0" anchor="ctr" anchorCtr="0" forceAA="0" compatLnSpc="1">
+              <a:prstTxWarp prst="textNoShape">
+                <a:avLst/>
+              </a:prstTxWarp>
+              <a:noAutofit/>
+            </a:bodyPr>
+            <a:lstStyle/>
+            <a:p>
+              <a:pPr algn="ctr"/>
+              <a:endParaRPr lang="ko-KR" altLang="en-US"/>
+            </a:p>
+          </p:txBody>
+        </p:sp>
+        <p:sp>
+          <p:nvSpPr>
+            <p:cNvPr id="57" name="이등변 삼각형 56">
+              <a:extLst>
+                <a:ext uri="{FF2B5EF4-FFF2-40B4-BE49-F238E27FC236}">
+                  <a16:creationId xmlns:a16="http://schemas.microsoft.com/office/drawing/2014/main" id="{17524A9A-22FB-4B5A-849E-B30A0F907A50}"/>
+                </a:ext>
+              </a:extLst>
+            </p:cNvPr>
+            <p:cNvSpPr/>
+            <p:nvPr/>
+          </p:nvSpPr>
+          <p:spPr>
+            <a:xfrm>
+              <a:off x="3561651" y="-870513"/>
+              <a:ext cx="2015887" cy="872302"/>
+            </a:xfrm>
+            <a:prstGeom prst="triangle">
+              <a:avLst/>
+            </a:prstGeom>
+            <a:solidFill>
+              <a:srgbClr val="234E60"/>
+            </a:solidFill>
+            <a:ln>
+              <a:noFill/>
+            </a:ln>
+          </p:spPr>
+          <p:style>
+            <a:lnRef idx="2">
+              <a:schemeClr val="accent1">
+                <a:shade val="50000"/>
+              </a:schemeClr>
+            </a:lnRef>
+            <a:fillRef idx="1">
+              <a:schemeClr val="accent1"/>
+            </a:fillRef>
+            <a:effectRef idx="0">
+              <a:schemeClr val="accent1"/>
+            </a:effectRef>
+            <a:fontRef idx="minor">
+              <a:schemeClr val="lt1"/>
+            </a:fontRef>
+          </p:style>
+          <p:txBody>
+            <a:bodyPr rot="0" spcFirstLastPara="0" vertOverflow="overflow" horzOverflow="overflow" vert="horz" wrap="square" lIns="91440" tIns="45720" rIns="91440" bIns="45720" numCol="1" spcCol="0" rtlCol="0" fromWordArt="0" anchor="ctr" anchorCtr="0" forceAA="0" compatLnSpc="1">
+              <a:prstTxWarp prst="textNoShape">
+                <a:avLst/>
+              </a:prstTxWarp>
+              <a:noAutofit/>
+            </a:bodyPr>
+            <a:lstStyle/>
+            <a:p>
+              <a:pPr algn="ctr"/>
+              <a:endParaRPr lang="ko-KR" altLang="en-US"/>
+            </a:p>
+          </p:txBody>
+        </p:sp>
+        <p:sp>
+          <p:nvSpPr>
+            <p:cNvPr id="58" name="이등변 삼각형 57">
+              <a:extLst>
+                <a:ext uri="{FF2B5EF4-FFF2-40B4-BE49-F238E27FC236}">
+                  <a16:creationId xmlns:a16="http://schemas.microsoft.com/office/drawing/2014/main" id="{08958AC3-B2E1-4F60-B3CD-D64423AD8256}"/>
+                </a:ext>
+              </a:extLst>
+            </p:cNvPr>
+            <p:cNvSpPr/>
+            <p:nvPr/>
+          </p:nvSpPr>
+          <p:spPr>
+            <a:xfrm>
+              <a:off x="3029233" y="-1363135"/>
+              <a:ext cx="2015887" cy="872302"/>
+            </a:xfrm>
+            <a:prstGeom prst="triangle">
+              <a:avLst/>
+            </a:prstGeom>
+            <a:solidFill>
+              <a:srgbClr val="234E60"/>
+            </a:solidFill>
+            <a:ln>
+              <a:noFill/>
+            </a:ln>
+          </p:spPr>
+          <p:style>
+            <a:lnRef idx="2">
+              <a:schemeClr val="accent1">
+                <a:shade val="50000"/>
+              </a:schemeClr>
+            </a:lnRef>
+            <a:fillRef idx="1">
+              <a:schemeClr val="accent1"/>
+            </a:fillRef>
+            <a:effectRef idx="0">
+              <a:schemeClr val="accent1"/>
+            </a:effectRef>
+            <a:fontRef idx="minor">
+              <a:schemeClr val="lt1"/>
+            </a:fontRef>
+          </p:style>
+          <p:txBody>
+            <a:bodyPr rot="0" spcFirstLastPara="0" vertOverflow="overflow" horzOverflow="overflow" vert="horz" wrap="square" lIns="91440" tIns="45720" rIns="91440" bIns="45720" numCol="1" spcCol="0" rtlCol="0" fromWordArt="0" anchor="ctr" anchorCtr="0" forceAA="0" compatLnSpc="1">
+              <a:prstTxWarp prst="textNoShape">
+                <a:avLst/>
+              </a:prstTxWarp>
+              <a:noAutofit/>
+            </a:bodyPr>
+            <a:lstStyle/>
+            <a:p>
+              <a:pPr algn="ctr"/>
+              <a:endParaRPr lang="ko-KR" altLang="en-US"/>
+            </a:p>
+          </p:txBody>
+        </p:sp>
+        <p:sp>
+          <p:nvSpPr>
+            <p:cNvPr id="59" name="이등변 삼각형 58">
+              <a:extLst>
+                <a:ext uri="{FF2B5EF4-FFF2-40B4-BE49-F238E27FC236}">
+                  <a16:creationId xmlns:a16="http://schemas.microsoft.com/office/drawing/2014/main" id="{2B3914E9-B704-4143-8428-22245D2F0AEA}"/>
+                </a:ext>
+              </a:extLst>
+            </p:cNvPr>
+            <p:cNvSpPr/>
+            <p:nvPr/>
+          </p:nvSpPr>
+          <p:spPr>
+            <a:xfrm>
+              <a:off x="4591357" y="-920845"/>
+              <a:ext cx="815051" cy="352684"/>
+            </a:xfrm>
+            <a:prstGeom prst="triangle">
+              <a:avLst/>
+            </a:prstGeom>
+            <a:solidFill>
+              <a:srgbClr val="316E87"/>
+            </a:solidFill>
+            <a:ln>
+              <a:noFill/>
+            </a:ln>
+          </p:spPr>
+          <p:style>
+            <a:lnRef idx="2">
+              <a:schemeClr val="accent1">
+                <a:shade val="50000"/>
+              </a:schemeClr>
+            </a:lnRef>
+            <a:fillRef idx="1">
+              <a:schemeClr val="accent1"/>
+            </a:fillRef>
+            <a:effectRef idx="0">
+              <a:schemeClr val="accent1"/>
+            </a:effectRef>
+            <a:fontRef idx="minor">
+              <a:schemeClr val="lt1"/>
+            </a:fontRef>
+          </p:style>
+          <p:txBody>
+            <a:bodyPr rot="0" spcFirstLastPara="0" vertOverflow="overflow" horzOverflow="overflow" vert="horz" wrap="square" lIns="91440" tIns="45720" rIns="91440" bIns="45720" numCol="1" spcCol="0" rtlCol="0" fromWordArt="0" anchor="ctr" anchorCtr="0" forceAA="0" compatLnSpc="1">
+              <a:prstTxWarp prst="textNoShape">
+                <a:avLst/>
+              </a:prstTxWarp>
+              <a:noAutofit/>
+            </a:bodyPr>
+            <a:lstStyle/>
+            <a:p>
+              <a:pPr algn="ctr"/>
+              <a:endParaRPr lang="ko-KR" altLang="en-US"/>
+            </a:p>
+          </p:txBody>
+        </p:sp>
+        <p:sp>
+          <p:nvSpPr>
+            <p:cNvPr id="60" name="이등변 삼각형 59">
+              <a:extLst>
+                <a:ext uri="{FF2B5EF4-FFF2-40B4-BE49-F238E27FC236}">
+                  <a16:creationId xmlns:a16="http://schemas.microsoft.com/office/drawing/2014/main" id="{01C6CABE-8E33-452D-A65C-5BFA97009E42}"/>
+                </a:ext>
+              </a:extLst>
+            </p:cNvPr>
+            <p:cNvSpPr/>
+            <p:nvPr/>
+          </p:nvSpPr>
+          <p:spPr>
+            <a:xfrm>
+              <a:off x="3791501" y="-1566133"/>
+              <a:ext cx="815051" cy="352684"/>
+            </a:xfrm>
+            <a:prstGeom prst="triangle">
+              <a:avLst/>
+            </a:prstGeom>
+            <a:solidFill>
+              <a:srgbClr val="316E87"/>
+            </a:solidFill>
+            <a:ln>
+              <a:noFill/>
+            </a:ln>
+          </p:spPr>
+          <p:style>
+            <a:lnRef idx="2">
+              <a:schemeClr val="accent1">
+                <a:shade val="50000"/>
+              </a:schemeClr>
+            </a:lnRef>
+            <a:fillRef idx="1">
+              <a:schemeClr val="accent1"/>
+            </a:fillRef>
+            <a:effectRef idx="0">
+              <a:schemeClr val="accent1"/>
+            </a:effectRef>
+            <a:fontRef idx="minor">
+              <a:schemeClr val="lt1"/>
+            </a:fontRef>
+          </p:style>
+          <p:txBody>
+            <a:bodyPr rot="0" spcFirstLastPara="0" vertOverflow="overflow" horzOverflow="overflow" vert="horz" wrap="square" lIns="91440" tIns="45720" rIns="91440" bIns="45720" numCol="1" spcCol="0" rtlCol="0" fromWordArt="0" anchor="ctr" anchorCtr="0" forceAA="0" compatLnSpc="1">
+              <a:prstTxWarp prst="textNoShape">
+                <a:avLst/>
+              </a:prstTxWarp>
+              <a:noAutofit/>
+            </a:bodyPr>
+            <a:lstStyle/>
+            <a:p>
+              <a:pPr algn="ctr"/>
+              <a:endParaRPr lang="ko-KR" altLang="en-US"/>
+            </a:p>
+          </p:txBody>
+        </p:sp>
+        <p:sp>
+          <p:nvSpPr>
+            <p:cNvPr id="61" name="이등변 삼각형 60">
+              <a:extLst>
+                <a:ext uri="{FF2B5EF4-FFF2-40B4-BE49-F238E27FC236}">
+                  <a16:creationId xmlns:a16="http://schemas.microsoft.com/office/drawing/2014/main" id="{F86A0F30-FA1A-40A4-8FBD-9FDCBACC88E7}"/>
+                </a:ext>
+              </a:extLst>
+            </p:cNvPr>
+            <p:cNvSpPr/>
+            <p:nvPr/>
+          </p:nvSpPr>
+          <p:spPr>
+            <a:xfrm>
+              <a:off x="3918619" y="-820209"/>
+              <a:ext cx="499430" cy="216110"/>
+            </a:xfrm>
+            <a:prstGeom prst="triangle">
+              <a:avLst/>
+            </a:prstGeom>
+            <a:solidFill>
+              <a:srgbClr val="316E87"/>
+            </a:solidFill>
+            <a:ln>
+              <a:noFill/>
+            </a:ln>
+          </p:spPr>
+          <p:style>
+            <a:lnRef idx="2">
+              <a:schemeClr val="accent1">
+                <a:shade val="50000"/>
+              </a:schemeClr>
+            </a:lnRef>
+            <a:fillRef idx="1">
+              <a:schemeClr val="accent1"/>
+            </a:fillRef>
+            <a:effectRef idx="0">
+              <a:schemeClr val="accent1"/>
+            </a:effectRef>
+            <a:fontRef idx="minor">
+              <a:schemeClr val="lt1"/>
+            </a:fontRef>
+          </p:style>
+          <p:txBody>
+            <a:bodyPr rot="0" spcFirstLastPara="0" vertOverflow="overflow" horzOverflow="overflow" vert="horz" wrap="square" lIns="91440" tIns="45720" rIns="91440" bIns="45720" numCol="1" spcCol="0" rtlCol="0" fromWordArt="0" anchor="ctr" anchorCtr="0" forceAA="0" compatLnSpc="1">
+              <a:prstTxWarp prst="textNoShape">
+                <a:avLst/>
+              </a:prstTxWarp>
+              <a:noAutofit/>
+            </a:bodyPr>
+            <a:lstStyle/>
+            <a:p>
+              <a:pPr algn="ctr"/>
+              <a:endParaRPr lang="ko-KR" altLang="en-US"/>
+            </a:p>
+          </p:txBody>
+        </p:sp>
+        <p:pic>
+          <p:nvPicPr>
+            <p:cNvPr id="64" name="그림 63" descr="톱, 나이프이(가) 표시된 사진&#10;&#10;자동 생성된 설명">
+              <a:extLst>
+                <a:ext uri="{FF2B5EF4-FFF2-40B4-BE49-F238E27FC236}">
+                  <a16:creationId xmlns:a16="http://schemas.microsoft.com/office/drawing/2014/main" id="{F8A643EC-AE98-4D02-BA34-4FBF350BB194}"/>
+                </a:ext>
+              </a:extLst>
+            </p:cNvPr>
+            <p:cNvPicPr>
+              <a:picLocks noChangeAspect="1"/>
+            </p:cNvPicPr>
+            <p:nvPr/>
+          </p:nvPicPr>
+          <p:blipFill>
+            <a:blip r:embed="rId3">
+              <a:extLst>
+                <a:ext uri="{28A0092B-C50C-407E-A947-70E740481C1C}">
+                  <a14:useLocalDpi xmlns:a14="http://schemas.microsoft.com/office/drawing/2010/main" val="0"/>
+                </a:ext>
+              </a:extLst>
+            </a:blip>
+            <a:stretch>
+              <a:fillRect/>
+            </a:stretch>
+          </p:blipFill>
+          <p:spPr>
+            <a:xfrm flipH="1">
+              <a:off x="3249873" y="7478928"/>
+              <a:ext cx="879566" cy="605603"/>
+            </a:xfrm>
+            <a:prstGeom prst="rect">
+              <a:avLst/>
+            </a:prstGeom>
+          </p:spPr>
+        </p:pic>
+      </p:grpSp>
     </p:spTree>
     <p:extLst>
       <p:ext uri="{BB962C8B-B14F-4D97-AF65-F5344CB8AC3E}">
